--- a/Hardware/Diagrams/DICE Theory of Operation Slides.pptx
+++ b/Hardware/Diagrams/DICE Theory of Operation Slides.pptx
@@ -5,17 +5,21 @@
     <p:sldMasterId id="2147483648" r:id="rId1"/>
   </p:sldMasterIdLst>
   <p:notesMasterIdLst>
-    <p:notesMasterId r:id="rId10"/>
+    <p:notesMasterId r:id="rId14"/>
   </p:notesMasterIdLst>
   <p:sldIdLst>
     <p:sldId id="256" r:id="rId2"/>
-    <p:sldId id="257" r:id="rId3"/>
-    <p:sldId id="258" r:id="rId4"/>
-    <p:sldId id="259" r:id="rId5"/>
-    <p:sldId id="260" r:id="rId6"/>
-    <p:sldId id="261" r:id="rId7"/>
-    <p:sldId id="262" r:id="rId8"/>
-    <p:sldId id="263" r:id="rId9"/>
+    <p:sldId id="267" r:id="rId3"/>
+    <p:sldId id="264" r:id="rId4"/>
+    <p:sldId id="257" r:id="rId5"/>
+    <p:sldId id="258" r:id="rId6"/>
+    <p:sldId id="259" r:id="rId7"/>
+    <p:sldId id="260" r:id="rId8"/>
+    <p:sldId id="261" r:id="rId9"/>
+    <p:sldId id="262" r:id="rId10"/>
+    <p:sldId id="263" r:id="rId11"/>
+    <p:sldId id="265" r:id="rId12"/>
+    <p:sldId id="266" r:id="rId13"/>
   </p:sldIdLst>
   <p:sldSz cx="24384000" cy="13716000"/>
   <p:notesSz cx="6858000" cy="9144000"/>
@@ -317,6 +321,43 @@
       </a:defRPr>
     </a:lvl9pPr>
   </p:defaultTextStyle>
+  <p:extLst>
+    <p:ext uri="{521415D9-36F7-43E2-AB2F-B90AF26B5E84}">
+      <p14:sectionLst xmlns:p14="http://schemas.microsoft.com/office/powerpoint/2010/main">
+        <p14:section name="DICE Project" id="{873BB864-9FAE-884D-B25D-3CF74C1CBD43}">
+          <p14:sldIdLst>
+            <p14:sldId id="256"/>
+            <p14:sldId id="267"/>
+          </p14:sldIdLst>
+        </p14:section>
+        <p14:section name="FPGA Processor Theory of Operation" id="{57864FD5-7AD8-A14A-8221-98E49E6F0DB6}">
+          <p14:sldIdLst>
+            <p14:sldId id="264"/>
+            <p14:sldId id="257"/>
+            <p14:sldId id="258"/>
+            <p14:sldId id="259"/>
+            <p14:sldId id="260"/>
+            <p14:sldId id="261"/>
+            <p14:sldId id="262"/>
+            <p14:sldId id="263"/>
+          </p14:sldIdLst>
+        </p14:section>
+        <p14:section name="FPGA to MCU Interface &amp; Communication" id="{8AAEF09D-2BC2-C743-83D0-66CF09643906}">
+          <p14:sldIdLst>
+            <p14:sldId id="265"/>
+          </p14:sldIdLst>
+        </p14:section>
+        <p14:section name="Hardware to Host PC Interface" id="{30ADFE0D-4EF8-E64C-84BE-9C036EA39F91}">
+          <p14:sldIdLst>
+            <p14:sldId id="266"/>
+          </p14:sldIdLst>
+        </p14:section>
+      </p14:sectionLst>
+    </p:ext>
+    <p:ext uri="{EFAFB233-063F-42B5-8137-9DF3F51BA10A}">
+      <p15:sldGuideLst xmlns:p15="http://schemas.microsoft.com/office/powerpoint/2012/main"/>
+    </p:ext>
+  </p:extLst>
 </p:presentation>
 </file>
 
@@ -4082,7 +4123,7 @@
           </a:ln>
           <a:extLst>
             <a:ext uri="{C572A759-6A51-4108-AA02-DFA0A04FC94B}">
-              <ma14:wrappingTextBoxFlag xmlns:ma14="http://schemas.microsoft.com/office/mac/drawingml/2011/main" xmlns:a14="http://schemas.microsoft.com/office/drawing/2010/main" xmlns:m="http://schemas.openxmlformats.org/officeDocument/2006/math" xmlns="" val="1"/>
+              <ma14:wrappingTextBoxFlag xmlns="" xmlns:m="http://schemas.openxmlformats.org/officeDocument/2006/math" xmlns:a14="http://schemas.microsoft.com/office/drawing/2010/main" xmlns:ma14="http://schemas.microsoft.com/office/mac/drawingml/2011/main" val="1"/>
             </a:ext>
           </a:extLst>
         </p:spPr>
@@ -4121,7 +4162,7 @@
           </a:ln>
           <a:extLst>
             <a:ext uri="{C572A759-6A51-4108-AA02-DFA0A04FC94B}">
-              <ma14:wrappingTextBoxFlag xmlns:ma14="http://schemas.microsoft.com/office/mac/drawingml/2011/main" xmlns:a14="http://schemas.microsoft.com/office/drawing/2010/main" xmlns:m="http://schemas.openxmlformats.org/officeDocument/2006/math" xmlns="" val="1"/>
+              <ma14:wrappingTextBoxFlag xmlns="" xmlns:m="http://schemas.openxmlformats.org/officeDocument/2006/math" xmlns:a14="http://schemas.microsoft.com/office/drawing/2010/main" xmlns:ma14="http://schemas.microsoft.com/office/mac/drawingml/2011/main" val="1"/>
             </a:ext>
           </a:extLst>
         </p:spPr>
@@ -5025,7 +5066,7 @@
           </a:prstGeom>
           <a:extLst>
             <a:ext uri="{C572A759-6A51-4108-AA02-DFA0A04FC94B}">
-              <ma14:wrappingTextBoxFlag xmlns:ma14="http://schemas.microsoft.com/office/mac/drawingml/2011/main" xmlns:a14="http://schemas.microsoft.com/office/drawing/2010/main" xmlns:m="http://schemas.openxmlformats.org/officeDocument/2006/math" xmlns="" val="1"/>
+              <ma14:wrappingTextBoxFlag xmlns="" xmlns:m="http://schemas.openxmlformats.org/officeDocument/2006/math" xmlns:a14="http://schemas.microsoft.com/office/drawing/2010/main" xmlns:ma14="http://schemas.microsoft.com/office/mac/drawingml/2011/main" val="1"/>
             </a:ext>
           </a:extLst>
         </p:spPr>
@@ -5072,6 +5113,880 @@
         </p:txBody>
       </p:sp>
     </p:spTree>
+  </p:cSld>
+  <p:clrMapOvr>
+    <a:masterClrMapping/>
+  </p:clrMapOvr>
+  <p:transition spd="med"/>
+</p:sld>
+</file>
+
+<file path=ppt/slides/slide10.xml><?xml version="1.0" encoding="utf-8"?>
+<p:sld xmlns:a="http://schemas.openxmlformats.org/drawingml/2006/main" xmlns:r="http://schemas.openxmlformats.org/officeDocument/2006/relationships" xmlns:p="http://schemas.openxmlformats.org/presentationml/2006/main">
+  <p:cSld>
+    <p:spTree>
+      <p:nvGrpSpPr>
+        <p:cNvPr id="1" name=""/>
+        <p:cNvGrpSpPr/>
+        <p:nvPr/>
+      </p:nvGrpSpPr>
+      <p:grpSpPr>
+        <a:xfrm>
+          <a:off x="0" y="0"/>
+          <a:ext cx="0" cy="0"/>
+          <a:chOff x="0" y="0"/>
+          <a:chExt cx="0" cy="0"/>
+        </a:xfrm>
+      </p:grpSpPr>
+      <p:sp>
+        <p:nvSpPr>
+          <p:cNvPr id="307" name="D.I.C.E | System Resources"/>
+          <p:cNvSpPr txBox="1">
+            <a:spLocks noGrp="1"/>
+          </p:cNvSpPr>
+          <p:nvPr>
+            <p:ph type="body" idx="21"/>
+          </p:nvPr>
+        </p:nvSpPr>
+        <p:spPr>
+          <a:xfrm>
+            <a:off x="400266" y="177800"/>
+            <a:ext cx="22231351" cy="895351"/>
+          </a:xfrm>
+          <a:prstGeom prst="rect">
+            <a:avLst/>
+          </a:prstGeom>
+        </p:spPr>
+        <p:txBody>
+          <a:bodyPr/>
+          <a:lstStyle/>
+          <a:p>
+            <a:pPr marL="0" indent="0" defTabSz="819150">
+              <a:spcBef>
+                <a:spcPts val="0"/>
+              </a:spcBef>
+              <a:buClrTx/>
+              <a:buSzTx/>
+              <a:buNone/>
+              <a:defRPr>
+                <a:solidFill>
+                  <a:srgbClr val="0096FF"/>
+                </a:solidFill>
+                <a:latin typeface="SF Hello Regular"/>
+                <a:ea typeface="SF Hello Regular"/>
+                <a:cs typeface="SF Hello Regular"/>
+                <a:sym typeface="SF Hello Regular"/>
+              </a:defRPr>
+            </a:pPr>
+            <a:r>
+              <a:rPr lang="en-US" dirty="0"/>
+              <a:t>D.I.C.E </a:t>
+            </a:r>
+            <a:r>
+              <a:rPr dirty="0">
+                <a:solidFill>
+                  <a:srgbClr val="444444"/>
+                </a:solidFill>
+              </a:rPr>
+              <a:t>| </a:t>
+            </a:r>
+            <a:r>
+              <a:rPr b="1" dirty="0">
+                <a:solidFill>
+                  <a:srgbClr val="444444"/>
+                </a:solidFill>
+                <a:latin typeface="Helvetica"/>
+                <a:ea typeface="Helvetica"/>
+                <a:cs typeface="Helvetica"/>
+                <a:sym typeface="Helvetica"/>
+              </a:rPr>
+              <a:t>System Resources</a:t>
+            </a:r>
+          </a:p>
+        </p:txBody>
+      </p:sp>
+      <p:sp>
+        <p:nvSpPr>
+          <p:cNvPr id="308" name="Slide Number"/>
+          <p:cNvSpPr txBox="1">
+            <a:spLocks noGrp="1"/>
+          </p:cNvSpPr>
+          <p:nvPr>
+            <p:ph type="sldNum" sz="quarter" idx="2"/>
+          </p:nvPr>
+        </p:nvSpPr>
+        <p:spPr>
+          <a:xfrm>
+            <a:off x="12085408" y="13430250"/>
+            <a:ext cx="213184" cy="317500"/>
+          </a:xfrm>
+          <a:prstGeom prst="rect">
+            <a:avLst/>
+          </a:prstGeom>
+          <a:extLst>
+            <a:ext uri="{C572A759-6A51-4108-AA02-DFA0A04FC94B}">
+              <ma14:wrappingTextBoxFlag xmlns="" xmlns:m="http://schemas.openxmlformats.org/officeDocument/2006/math" xmlns:a14="http://schemas.microsoft.com/office/drawing/2010/main" xmlns:ma14="http://schemas.microsoft.com/office/mac/drawingml/2011/main" val="1"/>
+            </a:ext>
+          </a:extLst>
+        </p:spPr>
+        <p:txBody>
+          <a:bodyPr/>
+          <a:lstStyle/>
+          <a:p>
+            <a:fld id="{86CB4B4D-7CA3-9044-876B-883B54F8677D}" type="slidenum">
+              <a:rPr/>
+              <a:t>10</a:t>
+            </a:fld>
+            <a:endParaRPr/>
+          </a:p>
+        </p:txBody>
+      </p:sp>
+      <p:sp>
+        <p:nvSpPr>
+          <p:cNvPr id="309" name="XC7A200T FPGA…"/>
+          <p:cNvSpPr txBox="1">
+            <a:spLocks noGrp="1"/>
+          </p:cNvSpPr>
+          <p:nvPr>
+            <p:ph type="body" sz="half" idx="1"/>
+          </p:nvPr>
+        </p:nvSpPr>
+        <p:spPr>
+          <a:xfrm>
+            <a:off x="566467" y="1416049"/>
+            <a:ext cx="9331205" cy="11509737"/>
+          </a:xfrm>
+          <a:prstGeom prst="rect">
+            <a:avLst/>
+          </a:prstGeom>
+        </p:spPr>
+        <p:txBody>
+          <a:bodyPr/>
+          <a:lstStyle/>
+          <a:p>
+            <a:pPr marL="0" indent="0" defTabSz="2438400">
+              <a:lnSpc>
+                <a:spcPct val="100000"/>
+              </a:lnSpc>
+              <a:spcBef>
+                <a:spcPts val="2400"/>
+              </a:spcBef>
+              <a:buSzTx/>
+              <a:buNone/>
+              <a:defRPr sz="2800" b="1">
+                <a:latin typeface="Graphik"/>
+                <a:ea typeface="Graphik"/>
+                <a:cs typeface="Graphik"/>
+                <a:sym typeface="Graphik"/>
+              </a:defRPr>
+            </a:pPr>
+            <a:r>
+              <a:rPr dirty="0"/>
+              <a:t>XC7A200T FPGA</a:t>
+            </a:r>
+          </a:p>
+          <a:p>
+            <a:pPr marL="372533" indent="-372533" defTabSz="2438400">
+              <a:spcBef>
+                <a:spcPts val="1600"/>
+              </a:spcBef>
+              <a:buClr>
+                <a:srgbClr val="000000"/>
+              </a:buClr>
+              <a:buSzPct val="100000"/>
+              <a:defRPr sz="2600">
+                <a:latin typeface="Graphik"/>
+                <a:ea typeface="Graphik"/>
+                <a:cs typeface="Graphik"/>
+                <a:sym typeface="Graphik"/>
+              </a:defRPr>
+            </a:pPr>
+            <a:r>
+              <a:rPr dirty="0"/>
+              <a:t>215,360 Logic Cells</a:t>
+            </a:r>
+          </a:p>
+          <a:p>
+            <a:pPr marL="931333" lvl="1" indent="-372533" defTabSz="2438400">
+              <a:spcBef>
+                <a:spcPts val="1600"/>
+              </a:spcBef>
+              <a:buClr>
+                <a:srgbClr val="000000"/>
+              </a:buClr>
+              <a:buSzPct val="100000"/>
+              <a:buChar char="•"/>
+              <a:defRPr sz="2600">
+                <a:latin typeface="Graphik"/>
+                <a:ea typeface="Graphik"/>
+                <a:cs typeface="Graphik"/>
+                <a:sym typeface="Graphik"/>
+              </a:defRPr>
+            </a:pPr>
+            <a:r>
+              <a:rPr dirty="0"/>
+              <a:t>33,650 Logic Slices</a:t>
+            </a:r>
+          </a:p>
+          <a:p>
+            <a:pPr marL="372533" indent="-372533" defTabSz="2438400">
+              <a:spcBef>
+                <a:spcPts val="1600"/>
+              </a:spcBef>
+              <a:buClr>
+                <a:srgbClr val="000000"/>
+              </a:buClr>
+              <a:buSzPct val="100000"/>
+              <a:defRPr sz="2600">
+                <a:latin typeface="Graphik"/>
+                <a:ea typeface="Graphik"/>
+                <a:cs typeface="Graphik"/>
+                <a:sym typeface="Graphik"/>
+              </a:defRPr>
+            </a:pPr>
+            <a:r>
+              <a:rPr dirty="0"/>
+              <a:t>2.88Mb Distributed RAM</a:t>
+            </a:r>
+          </a:p>
+          <a:p>
+            <a:pPr marL="372533" indent="-372533" defTabSz="2438400">
+              <a:spcBef>
+                <a:spcPts val="1600"/>
+              </a:spcBef>
+              <a:buClr>
+                <a:srgbClr val="000000"/>
+              </a:buClr>
+              <a:buSzPct val="100000"/>
+              <a:defRPr sz="2600">
+                <a:latin typeface="Graphik"/>
+                <a:ea typeface="Graphik"/>
+                <a:cs typeface="Graphik"/>
+                <a:sym typeface="Graphik"/>
+              </a:defRPr>
+            </a:pPr>
+            <a:r>
+              <a:rPr dirty="0"/>
+              <a:t>13.14Mb Block Ram</a:t>
+            </a:r>
+          </a:p>
+          <a:p>
+            <a:pPr marL="931333" lvl="1" indent="-372533" defTabSz="2438400">
+              <a:spcBef>
+                <a:spcPts val="1600"/>
+              </a:spcBef>
+              <a:buClr>
+                <a:srgbClr val="000000"/>
+              </a:buClr>
+              <a:buSzPct val="100000"/>
+              <a:buChar char="•"/>
+              <a:defRPr sz="2600">
+                <a:latin typeface="Graphik"/>
+                <a:ea typeface="Graphik"/>
+                <a:cs typeface="Graphik"/>
+                <a:sym typeface="Graphik"/>
+              </a:defRPr>
+            </a:pPr>
+            <a:r>
+              <a:rPr dirty="0"/>
+              <a:t>36Kb Dual Port BRAMs With FIFO &amp; ECC</a:t>
+            </a:r>
+          </a:p>
+          <a:p>
+            <a:pPr marL="372533" indent="-372533" defTabSz="2438400">
+              <a:spcBef>
+                <a:spcPts val="1600"/>
+              </a:spcBef>
+              <a:buClr>
+                <a:srgbClr val="000000"/>
+              </a:buClr>
+              <a:buSzPct val="100000"/>
+              <a:defRPr sz="2600">
+                <a:latin typeface="Graphik"/>
+                <a:ea typeface="Graphik"/>
+                <a:cs typeface="Graphik"/>
+                <a:sym typeface="Graphik"/>
+              </a:defRPr>
+            </a:pPr>
+            <a:r>
+              <a:rPr dirty="0"/>
+              <a:t>740 DSP48E1 Cores</a:t>
+            </a:r>
+          </a:p>
+          <a:p>
+            <a:pPr marL="931333" lvl="1" indent="-372533" defTabSz="2438400">
+              <a:spcBef>
+                <a:spcPts val="1600"/>
+              </a:spcBef>
+              <a:buClr>
+                <a:srgbClr val="000000"/>
+              </a:buClr>
+              <a:buSzPct val="100000"/>
+              <a:buChar char="•"/>
+              <a:defRPr sz="2600">
+                <a:latin typeface="Graphik"/>
+                <a:ea typeface="Graphik"/>
+                <a:cs typeface="Graphik"/>
+                <a:sym typeface="Graphik"/>
+              </a:defRPr>
+            </a:pPr>
+            <a:r>
+              <a:rPr dirty="0"/>
+              <a:t>25x18b two’s-complement Multiplier</a:t>
+            </a:r>
+          </a:p>
+          <a:p>
+            <a:pPr marL="931333" lvl="1" indent="-372533" defTabSz="2438400">
+              <a:spcBef>
+                <a:spcPts val="1600"/>
+              </a:spcBef>
+              <a:buClr>
+                <a:srgbClr val="000000"/>
+              </a:buClr>
+              <a:buSzPct val="100000"/>
+              <a:buChar char="•"/>
+              <a:defRPr sz="2600">
+                <a:latin typeface="Graphik"/>
+                <a:ea typeface="Graphik"/>
+                <a:cs typeface="Graphik"/>
+                <a:sym typeface="Graphik"/>
+              </a:defRPr>
+            </a:pPr>
+            <a:r>
+              <a:rPr dirty="0"/>
+              <a:t>48-b Accumulator</a:t>
+            </a:r>
+          </a:p>
+          <a:p>
+            <a:pPr marL="931333" lvl="1" indent="-372533" defTabSz="2438400">
+              <a:spcBef>
+                <a:spcPts val="1600"/>
+              </a:spcBef>
+              <a:buClr>
+                <a:srgbClr val="000000"/>
+              </a:buClr>
+              <a:buSzPct val="100000"/>
+              <a:buChar char="•"/>
+              <a:defRPr sz="2600">
+                <a:latin typeface="Graphik"/>
+                <a:ea typeface="Graphik"/>
+                <a:cs typeface="Graphik"/>
+                <a:sym typeface="Graphik"/>
+              </a:defRPr>
+            </a:pPr>
+            <a:r>
+              <a:rPr dirty="0"/>
+              <a:t>Add/Sub/Accumulate SIMD</a:t>
+            </a:r>
+          </a:p>
+          <a:p>
+            <a:pPr marL="1490133" lvl="2" indent="-372533" defTabSz="2438400">
+              <a:spcBef>
+                <a:spcPts val="1600"/>
+              </a:spcBef>
+              <a:buClr>
+                <a:srgbClr val="000000"/>
+              </a:buClr>
+              <a:buSzPct val="100000"/>
+              <a:buFontTx/>
+              <a:buChar char="•"/>
+              <a:defRPr sz="2600">
+                <a:latin typeface="Graphik"/>
+                <a:ea typeface="Graphik"/>
+                <a:cs typeface="Graphik"/>
+                <a:sym typeface="Graphik"/>
+              </a:defRPr>
+            </a:pPr>
+            <a:r>
+              <a:rPr dirty="0"/>
+              <a:t>Dual 24b or Quad 12b </a:t>
+            </a:r>
+            <a:r>
+              <a:rPr dirty="0" err="1"/>
+              <a:t>Add,Sub,Accumulate</a:t>
+            </a:r>
+            <a:endParaRPr dirty="0"/>
+          </a:p>
+          <a:p>
+            <a:pPr marL="931333" lvl="1" indent="-372533" defTabSz="2438400">
+              <a:spcBef>
+                <a:spcPts val="1600"/>
+              </a:spcBef>
+              <a:buClr>
+                <a:srgbClr val="000000"/>
+              </a:buClr>
+              <a:buSzPct val="100000"/>
+              <a:buChar char="•"/>
+              <a:defRPr sz="2600">
+                <a:latin typeface="Graphik"/>
+                <a:ea typeface="Graphik"/>
+                <a:cs typeface="Graphik"/>
+                <a:sym typeface="Graphik"/>
+              </a:defRPr>
+            </a:pPr>
+            <a:r>
+              <a:rPr dirty="0"/>
+              <a:t>ALU</a:t>
+            </a:r>
+          </a:p>
+          <a:p>
+            <a:pPr marL="1490133" lvl="2" indent="-372533" defTabSz="2438400">
+              <a:spcBef>
+                <a:spcPts val="1600"/>
+              </a:spcBef>
+              <a:buClr>
+                <a:srgbClr val="000000"/>
+              </a:buClr>
+              <a:buSzPct val="100000"/>
+              <a:buFontTx/>
+              <a:buChar char="•"/>
+              <a:defRPr sz="2600">
+                <a:latin typeface="Graphik"/>
+                <a:ea typeface="Graphik"/>
+                <a:cs typeface="Graphik"/>
+                <a:sym typeface="Graphik"/>
+              </a:defRPr>
+            </a:pPr>
+            <a:r>
+              <a:rPr dirty="0"/>
+              <a:t>AND, OR, NOT, NAD, NOR, XOR, XNOR</a:t>
+            </a:r>
+          </a:p>
+          <a:p>
+            <a:pPr marL="931333" lvl="1" indent="-372533" defTabSz="2438400">
+              <a:spcBef>
+                <a:spcPts val="1600"/>
+              </a:spcBef>
+              <a:buClr>
+                <a:srgbClr val="000000"/>
+              </a:buClr>
+              <a:buSzPct val="100000"/>
+              <a:buChar char="•"/>
+              <a:defRPr sz="2600">
+                <a:latin typeface="Graphik"/>
+                <a:ea typeface="Graphik"/>
+                <a:cs typeface="Graphik"/>
+                <a:sym typeface="Graphik"/>
+              </a:defRPr>
+            </a:pPr>
+            <a:r>
+              <a:rPr lang="en-US" dirty="0" err="1"/>
+              <a:t>Patern</a:t>
+            </a:r>
+            <a:r>
+              <a:rPr lang="en-US" dirty="0"/>
+              <a:t> Detector</a:t>
+            </a:r>
+          </a:p>
+          <a:p>
+            <a:pPr>
+              <a:buFont typeface="Arial" panose="020B0604020202020204" pitchFamily="34" charset="0"/>
+              <a:buChar char="•"/>
+            </a:pPr>
+            <a:r>
+              <a:rPr lang="en-US" sz="2600" dirty="0">
+                <a:solidFill>
+                  <a:srgbClr val="000000"/>
+                </a:solidFill>
+                <a:effectLst/>
+                <a:latin typeface="Graphik" panose="020B0503030202060203" pitchFamily="34" charset="77"/>
+              </a:rPr>
+              <a:t>12W Maximum Power Dissipation </a:t>
+            </a:r>
+          </a:p>
+          <a:p>
+            <a:pPr marL="742950" lvl="1" indent="-285750">
+              <a:buFont typeface="Arial" panose="020B0604020202020204" pitchFamily="34" charset="0"/>
+              <a:buChar char="•"/>
+            </a:pPr>
+            <a:r>
+              <a:rPr lang="en-US" sz="2600" dirty="0">
+                <a:solidFill>
+                  <a:srgbClr val="000000"/>
+                </a:solidFill>
+                <a:effectLst/>
+                <a:latin typeface="Graphik" panose="020B0503030202060203" pitchFamily="34" charset="77"/>
+              </a:rPr>
+              <a:t>10A on VCCINT (1V)</a:t>
+            </a:r>
+          </a:p>
+          <a:p>
+            <a:pPr marL="742950" lvl="1" indent="-285750">
+              <a:buFont typeface="Arial" panose="020B0604020202020204" pitchFamily="34" charset="0"/>
+              <a:buChar char="•"/>
+            </a:pPr>
+            <a:r>
+              <a:rPr lang="en-US" sz="2600" dirty="0">
+                <a:solidFill>
+                  <a:srgbClr val="000000"/>
+                </a:solidFill>
+                <a:effectLst/>
+                <a:latin typeface="Graphik" panose="020B0503030202060203" pitchFamily="34" charset="77"/>
+              </a:rPr>
+              <a:t>1A on VCCIO/VCCAUX (1V8)</a:t>
+            </a:r>
+          </a:p>
+          <a:p>
+            <a:pPr marL="558800" lvl="1" indent="0" defTabSz="2438400">
+              <a:spcBef>
+                <a:spcPts val="1600"/>
+              </a:spcBef>
+              <a:buClr>
+                <a:srgbClr val="000000"/>
+              </a:buClr>
+              <a:buSzPct val="100000"/>
+              <a:buNone/>
+              <a:defRPr sz="2600">
+                <a:latin typeface="Graphik"/>
+                <a:ea typeface="Graphik"/>
+                <a:cs typeface="Graphik"/>
+                <a:sym typeface="Graphik"/>
+              </a:defRPr>
+            </a:pPr>
+            <a:br>
+              <a:rPr lang="en-US" dirty="0"/>
+            </a:br>
+            <a:endParaRPr lang="en-US" dirty="0"/>
+          </a:p>
+        </p:txBody>
+      </p:sp>
+      <p:sp>
+        <p:nvSpPr>
+          <p:cNvPr id="310" name="DDR2 DRAM…"/>
+          <p:cNvSpPr txBox="1"/>
+          <p:nvPr/>
+        </p:nvSpPr>
+        <p:spPr>
+          <a:xfrm>
+            <a:off x="10524829" y="1416049"/>
+            <a:ext cx="11953437" cy="11509737"/>
+          </a:xfrm>
+          <a:prstGeom prst="rect">
+            <a:avLst/>
+          </a:prstGeom>
+          <a:ln w="12700">
+            <a:miter lim="400000"/>
+          </a:ln>
+          <a:extLst>
+            <a:ext uri="{C572A759-6A51-4108-AA02-DFA0A04FC94B}">
+              <ma14:wrappingTextBoxFlag xmlns="" xmlns:m="http://schemas.openxmlformats.org/officeDocument/2006/math" xmlns:a14="http://schemas.microsoft.com/office/drawing/2010/main" xmlns:ma14="http://schemas.microsoft.com/office/mac/drawingml/2011/main" val="1"/>
+            </a:ext>
+          </a:extLst>
+        </p:spPr>
+        <p:txBody>
+          <a:bodyPr lIns="0" tIns="0" rIns="0" bIns="0"/>
+          <a:lstStyle/>
+          <a:p>
+            <a:pPr>
+              <a:defRPr sz="2800" b="1"/>
+            </a:pPr>
+            <a:r>
+              <a:t>DDR2 DRAM </a:t>
+            </a:r>
+          </a:p>
+          <a:p>
+            <a:pPr marL="931333" lvl="1" indent="-372533">
+              <a:lnSpc>
+                <a:spcPct val="80000"/>
+              </a:lnSpc>
+              <a:spcBef>
+                <a:spcPts val="1600"/>
+              </a:spcBef>
+              <a:buClr>
+                <a:srgbClr val="000000"/>
+              </a:buClr>
+              <a:buSzPct val="100000"/>
+              <a:buChar char="•"/>
+              <a:defRPr sz="2600"/>
+            </a:pPr>
+            <a:r>
+              <a:t>MT47H64M16NF-25E IT:M</a:t>
+            </a:r>
+          </a:p>
+          <a:p>
+            <a:pPr marL="1490133" lvl="2" indent="-372533">
+              <a:lnSpc>
+                <a:spcPct val="80000"/>
+              </a:lnSpc>
+              <a:spcBef>
+                <a:spcPts val="1600"/>
+              </a:spcBef>
+              <a:buClr>
+                <a:srgbClr val="000000"/>
+              </a:buClr>
+              <a:buSzPct val="100000"/>
+              <a:buChar char="•"/>
+              <a:defRPr sz="2600"/>
+            </a:pPr>
+            <a:r>
+              <a:t>1Gb (64M x 16)</a:t>
+            </a:r>
+          </a:p>
+          <a:p>
+            <a:pPr marL="1490133" lvl="2" indent="-372533">
+              <a:lnSpc>
+                <a:spcPct val="80000"/>
+              </a:lnSpc>
+              <a:spcBef>
+                <a:spcPts val="1600"/>
+              </a:spcBef>
+              <a:buClr>
+                <a:srgbClr val="000000"/>
+              </a:buClr>
+              <a:buSzPct val="100000"/>
+              <a:buChar char="•"/>
+              <a:defRPr sz="2600"/>
+            </a:pPr>
+            <a:r>
+              <a:t>16b Data bus @ 400Mhz (800MT/s)</a:t>
+            </a:r>
+          </a:p>
+          <a:p>
+            <a:pPr marL="1490133" lvl="2" indent="-372533">
+              <a:lnSpc>
+                <a:spcPct val="80000"/>
+              </a:lnSpc>
+              <a:spcBef>
+                <a:spcPts val="1600"/>
+              </a:spcBef>
+              <a:buClr>
+                <a:srgbClr val="000000"/>
+              </a:buClr>
+              <a:buSzPct val="100000"/>
+              <a:buChar char="•"/>
+              <a:defRPr sz="2600"/>
+            </a:pPr>
+            <a:r>
+              <a:t>1.6GB/s or 12.8Gb/s data rate </a:t>
+            </a:r>
+            <a:r>
+              <a:rPr b="1"/>
+              <a:t>per chip</a:t>
+            </a:r>
+          </a:p>
+          <a:p>
+            <a:pPr marL="372533" indent="-372533">
+              <a:lnSpc>
+                <a:spcPct val="80000"/>
+              </a:lnSpc>
+              <a:spcBef>
+                <a:spcPts val="1600"/>
+              </a:spcBef>
+              <a:buClr>
+                <a:srgbClr val="000000"/>
+              </a:buClr>
+              <a:buSzPct val="100000"/>
+              <a:buChar char="•"/>
+              <a:defRPr sz="2600"/>
+            </a:pPr>
+            <a:r>
+              <a:rPr b="1"/>
+              <a:t>Two Chips total</a:t>
+            </a:r>
+          </a:p>
+          <a:p>
+            <a:pPr marL="931333" lvl="1" indent="-372533">
+              <a:lnSpc>
+                <a:spcPct val="80000"/>
+              </a:lnSpc>
+              <a:spcBef>
+                <a:spcPts val="1600"/>
+              </a:spcBef>
+              <a:buClr>
+                <a:srgbClr val="000000"/>
+              </a:buClr>
+              <a:buSzPct val="100000"/>
+              <a:buChar char="•"/>
+              <a:defRPr sz="2600"/>
+            </a:pPr>
+            <a:r>
+              <a:t>2Gb total</a:t>
+            </a:r>
+          </a:p>
+          <a:p>
+            <a:pPr marL="931333" lvl="1" indent="-372533">
+              <a:lnSpc>
+                <a:spcPct val="80000"/>
+              </a:lnSpc>
+              <a:spcBef>
+                <a:spcPts val="1600"/>
+              </a:spcBef>
+              <a:buClr>
+                <a:srgbClr val="000000"/>
+              </a:buClr>
+              <a:buSzPct val="100000"/>
+              <a:buChar char="•"/>
+              <a:defRPr sz="2600"/>
+            </a:pPr>
+            <a:r>
+              <a:t>3.2GB/s (25.6Gb/s) Uni-directional or 1.6GB/s (12.8Gb/s) bi-directional</a:t>
+            </a:r>
+          </a:p>
+          <a:p>
+            <a:pPr marL="372533" indent="-372533">
+              <a:lnSpc>
+                <a:spcPct val="80000"/>
+              </a:lnSpc>
+              <a:spcBef>
+                <a:spcPts val="1600"/>
+              </a:spcBef>
+              <a:buClr>
+                <a:srgbClr val="000000"/>
+              </a:buClr>
+              <a:buSzPct val="100000"/>
+              <a:buChar char="•"/>
+              <a:defRPr sz="2600"/>
+            </a:pPr>
+            <a:r>
+              <a:t>Separate DDR Controllers (One per chip)</a:t>
+            </a:r>
+          </a:p>
+          <a:p>
+            <a:pPr marL="931333" lvl="1" indent="-372533">
+              <a:lnSpc>
+                <a:spcPct val="80000"/>
+              </a:lnSpc>
+              <a:spcBef>
+                <a:spcPts val="1600"/>
+              </a:spcBef>
+              <a:buClr>
+                <a:srgbClr val="000000"/>
+              </a:buClr>
+              <a:buSzPct val="100000"/>
+              <a:buChar char="•"/>
+              <a:defRPr sz="2600"/>
+            </a:pPr>
+            <a:endParaRPr/>
+          </a:p>
+        </p:txBody>
+      </p:sp>
+    </p:spTree>
+  </p:cSld>
+  <p:clrMapOvr>
+    <a:masterClrMapping/>
+  </p:clrMapOvr>
+  <p:transition spd="med"/>
+</p:sld>
+</file>
+
+<file path=ppt/slides/slide11.xml><?xml version="1.0" encoding="utf-8"?>
+<p:sld xmlns:a="http://schemas.openxmlformats.org/drawingml/2006/main" xmlns:r="http://schemas.openxmlformats.org/officeDocument/2006/relationships" xmlns:p="http://schemas.openxmlformats.org/presentationml/2006/main">
+  <p:cSld>
+    <p:spTree>
+      <p:nvGrpSpPr>
+        <p:cNvPr id="1" name=""/>
+        <p:cNvGrpSpPr/>
+        <p:nvPr/>
+      </p:nvGrpSpPr>
+      <p:grpSpPr>
+        <a:xfrm>
+          <a:off x="0" y="0"/>
+          <a:ext cx="0" cy="0"/>
+          <a:chOff x="0" y="0"/>
+          <a:chExt cx="0" cy="0"/>
+        </a:xfrm>
+      </p:grpSpPr>
+      <p:sp>
+        <p:nvSpPr>
+          <p:cNvPr id="4" name="Title 3">
+            <a:extLst>
+              <a:ext uri="{FF2B5EF4-FFF2-40B4-BE49-F238E27FC236}">
+                <a16:creationId xmlns:a16="http://schemas.microsoft.com/office/drawing/2014/main" id="{074AA685-1770-2BF8-C47B-B4B9333D2274}"/>
+              </a:ext>
+            </a:extLst>
+          </p:cNvPr>
+          <p:cNvSpPr>
+            <a:spLocks noGrp="1"/>
+          </p:cNvSpPr>
+          <p:nvPr>
+            <p:ph type="title"/>
+          </p:nvPr>
+        </p:nvSpPr>
+        <p:spPr/>
+        <p:txBody>
+          <a:bodyPr/>
+          <a:lstStyle/>
+          <a:p>
+            <a:r>
+              <a:rPr lang="en-US" dirty="0">
+                <a:solidFill>
+                  <a:schemeClr val="tx1"/>
+                </a:solidFill>
+              </a:rPr>
+              <a:t>FPGA – MCU Interface</a:t>
+            </a:r>
+          </a:p>
+        </p:txBody>
+      </p:sp>
+    </p:spTree>
+    <p:extLst>
+      <p:ext uri="{BB962C8B-B14F-4D97-AF65-F5344CB8AC3E}">
+        <p14:creationId xmlns:p14="http://schemas.microsoft.com/office/powerpoint/2010/main" val="3351776074"/>
+      </p:ext>
+    </p:extLst>
+  </p:cSld>
+  <p:clrMapOvr>
+    <a:masterClrMapping/>
+  </p:clrMapOvr>
+  <p:transition spd="med"/>
+</p:sld>
+</file>
+
+<file path=ppt/slides/slide12.xml><?xml version="1.0" encoding="utf-8"?>
+<p:sld xmlns:a="http://schemas.openxmlformats.org/drawingml/2006/main" xmlns:r="http://schemas.openxmlformats.org/officeDocument/2006/relationships" xmlns:p="http://schemas.openxmlformats.org/presentationml/2006/main">
+  <p:cSld>
+    <p:spTree>
+      <p:nvGrpSpPr>
+        <p:cNvPr id="1" name=""/>
+        <p:cNvGrpSpPr/>
+        <p:nvPr/>
+      </p:nvGrpSpPr>
+      <p:grpSpPr>
+        <a:xfrm>
+          <a:off x="0" y="0"/>
+          <a:ext cx="0" cy="0"/>
+          <a:chOff x="0" y="0"/>
+          <a:chExt cx="0" cy="0"/>
+        </a:xfrm>
+      </p:grpSpPr>
+      <p:sp>
+        <p:nvSpPr>
+          <p:cNvPr id="4" name="Title 3">
+            <a:extLst>
+              <a:ext uri="{FF2B5EF4-FFF2-40B4-BE49-F238E27FC236}">
+                <a16:creationId xmlns:a16="http://schemas.microsoft.com/office/drawing/2014/main" id="{074AA685-1770-2BF8-C47B-B4B9333D2274}"/>
+              </a:ext>
+            </a:extLst>
+          </p:cNvPr>
+          <p:cNvSpPr>
+            <a:spLocks noGrp="1"/>
+          </p:cNvSpPr>
+          <p:nvPr>
+            <p:ph type="title"/>
+          </p:nvPr>
+        </p:nvSpPr>
+        <p:spPr/>
+        <p:txBody>
+          <a:bodyPr/>
+          <a:lstStyle/>
+          <a:p>
+            <a:r>
+              <a:rPr lang="en-US" dirty="0">
+                <a:solidFill>
+                  <a:schemeClr val="tx1"/>
+                </a:solidFill>
+              </a:rPr>
+              <a:t>Hardware – Host PC Interface</a:t>
+            </a:r>
+          </a:p>
+        </p:txBody>
+      </p:sp>
+    </p:spTree>
+    <p:extLst>
+      <p:ext uri="{BB962C8B-B14F-4D97-AF65-F5344CB8AC3E}">
+        <p14:creationId xmlns:p14="http://schemas.microsoft.com/office/powerpoint/2010/main" val="836842523"/>
+      </p:ext>
+    </p:extLst>
   </p:cSld>
   <p:clrMapOvr>
     <a:masterClrMapping/>
@@ -5150,7 +6065,7 @@
               <a:t>| </a:t>
             </a:r>
             <a:r>
-              <a:rPr b="1" dirty="0">
+              <a:rPr lang="en-US" b="1" dirty="0">
                 <a:solidFill>
                   <a:srgbClr val="444444"/>
                 </a:solidFill>
@@ -5159,8 +6074,17 @@
                 <a:cs typeface="Helvetica"/>
                 <a:sym typeface="Helvetica"/>
               </a:rPr>
-              <a:t>Stage 1 - Image capture</a:t>
+              <a:t>Project Goal</a:t>
             </a:r>
+            <a:endParaRPr b="1" dirty="0">
+              <a:solidFill>
+                <a:srgbClr val="444444"/>
+              </a:solidFill>
+              <a:latin typeface="Helvetica"/>
+              <a:ea typeface="Helvetica"/>
+              <a:cs typeface="Helvetica"/>
+              <a:sym typeface="Helvetica"/>
+            </a:endParaRPr>
           </a:p>
         </p:txBody>
       </p:sp>
@@ -5195,6 +6119,448 @@
             <a:fld id="{86CB4B4D-7CA3-9044-876B-883B54F8677D}" type="slidenum">
               <a:rPr/>
               <a:t>2</a:t>
+            </a:fld>
+            <a:endParaRPr/>
+          </a:p>
+        </p:txBody>
+      </p:sp>
+      <p:sp>
+        <p:nvSpPr>
+          <p:cNvPr id="188" name="Image Sensor Output…"/>
+          <p:cNvSpPr txBox="1">
+            <a:spLocks noGrp="1"/>
+          </p:cNvSpPr>
+          <p:nvPr>
+            <p:ph type="body" sz="half" idx="1"/>
+          </p:nvPr>
+        </p:nvSpPr>
+        <p:spPr>
+          <a:xfrm>
+            <a:off x="397091" y="1416049"/>
+            <a:ext cx="9331206" cy="11239501"/>
+          </a:xfrm>
+          <a:prstGeom prst="rect">
+            <a:avLst/>
+          </a:prstGeom>
+        </p:spPr>
+        <p:txBody>
+          <a:bodyPr/>
+          <a:lstStyle/>
+          <a:p>
+            <a:pPr marL="0" indent="0" defTabSz="2438400">
+              <a:lnSpc>
+                <a:spcPct val="100000"/>
+              </a:lnSpc>
+              <a:spcBef>
+                <a:spcPts val="2400"/>
+              </a:spcBef>
+              <a:buSzTx/>
+              <a:buNone/>
+              <a:defRPr sz="2800" b="1">
+                <a:latin typeface="Graphik"/>
+                <a:ea typeface="Graphik"/>
+                <a:cs typeface="Graphik"/>
+                <a:sym typeface="Graphik"/>
+              </a:defRPr>
+            </a:pPr>
+            <a:r>
+              <a:rPr lang="en-US" dirty="0"/>
+              <a:t>Problem</a:t>
+            </a:r>
+            <a:endParaRPr dirty="0"/>
+          </a:p>
+          <a:p>
+            <a:pPr marL="372533" indent="-372533" defTabSz="2438400">
+              <a:spcBef>
+                <a:spcPts val="1600"/>
+              </a:spcBef>
+              <a:buClr>
+                <a:srgbClr val="000000"/>
+              </a:buClr>
+              <a:buSzPct val="100000"/>
+              <a:defRPr sz="2600">
+                <a:latin typeface="Graphik"/>
+                <a:ea typeface="Graphik"/>
+                <a:cs typeface="Graphik"/>
+                <a:sym typeface="Graphik"/>
+              </a:defRPr>
+            </a:pPr>
+            <a:r>
+              <a:rPr lang="en-US" dirty="0"/>
+              <a:t>Significant bandwidth, memory and processing power is needed to handle modern image sensor data rates</a:t>
+            </a:r>
+          </a:p>
+          <a:p>
+            <a:pPr marL="0" indent="0" defTabSz="2438400">
+              <a:lnSpc>
+                <a:spcPct val="100000"/>
+              </a:lnSpc>
+              <a:spcBef>
+                <a:spcPts val="2400"/>
+              </a:spcBef>
+              <a:buSzTx/>
+              <a:buNone/>
+              <a:defRPr sz="2800" b="1">
+                <a:latin typeface="Graphik"/>
+                <a:ea typeface="Graphik"/>
+                <a:cs typeface="Graphik"/>
+                <a:sym typeface="Graphik"/>
+              </a:defRPr>
+            </a:pPr>
+            <a:r>
+              <a:rPr lang="en-US" dirty="0"/>
+              <a:t>Objective</a:t>
+            </a:r>
+          </a:p>
+          <a:p>
+            <a:pPr marL="372533" indent="-372533" defTabSz="2438400">
+              <a:spcBef>
+                <a:spcPts val="1600"/>
+              </a:spcBef>
+              <a:buClr>
+                <a:srgbClr val="000000"/>
+              </a:buClr>
+              <a:buSzPct val="100000"/>
+              <a:defRPr sz="2600">
+                <a:latin typeface="Graphik"/>
+                <a:ea typeface="Graphik"/>
+                <a:cs typeface="Graphik"/>
+                <a:sym typeface="Graphik"/>
+              </a:defRPr>
+            </a:pPr>
+            <a:r>
+              <a:rPr lang="en-US" dirty="0"/>
+              <a:t>Design a system that dynamically compresses image sensor data, reducing required bandwidth, memory capacity and processing power needed to process images</a:t>
+            </a:r>
+          </a:p>
+          <a:p>
+            <a:pPr marL="372533" indent="-372533" defTabSz="2438400">
+              <a:spcBef>
+                <a:spcPts val="1600"/>
+              </a:spcBef>
+              <a:buClr>
+                <a:srgbClr val="000000"/>
+              </a:buClr>
+              <a:buSzPct val="100000"/>
+              <a:defRPr sz="2600">
+                <a:latin typeface="Graphik"/>
+                <a:ea typeface="Graphik"/>
+                <a:cs typeface="Graphik"/>
+                <a:sym typeface="Graphik"/>
+              </a:defRPr>
+            </a:pPr>
+            <a:r>
+              <a:rPr lang="en-US" dirty="0"/>
+              <a:t>Utilize contrast and location-based weights to determine image compression amounts </a:t>
+            </a:r>
+          </a:p>
+          <a:p>
+            <a:pPr marL="817033" lvl="1" indent="-372533" defTabSz="2438400">
+              <a:spcBef>
+                <a:spcPts val="1600"/>
+              </a:spcBef>
+              <a:buClr>
+                <a:srgbClr val="000000"/>
+              </a:buClr>
+              <a:buSzPct val="100000"/>
+              <a:defRPr sz="2600">
+                <a:latin typeface="Graphik"/>
+                <a:ea typeface="Graphik"/>
+                <a:cs typeface="Graphik"/>
+                <a:sym typeface="Graphik"/>
+              </a:defRPr>
+            </a:pPr>
+            <a:r>
+              <a:rPr lang="en-US" dirty="0"/>
+              <a:t>Maximizes data reduction while maintaining image quality in high detail locations</a:t>
+            </a:r>
+          </a:p>
+          <a:p>
+            <a:pPr marL="372533" indent="-372533" defTabSz="2438400">
+              <a:spcBef>
+                <a:spcPts val="1600"/>
+              </a:spcBef>
+              <a:buClr>
+                <a:srgbClr val="000000"/>
+              </a:buClr>
+              <a:buSzPct val="100000"/>
+              <a:defRPr sz="2600">
+                <a:latin typeface="Graphik"/>
+                <a:ea typeface="Graphik"/>
+                <a:cs typeface="Graphik"/>
+                <a:sym typeface="Graphik"/>
+              </a:defRPr>
+            </a:pPr>
+            <a:r>
+              <a:rPr lang="en-US" dirty="0"/>
+              <a:t>Re-stitch images to create coherent output image </a:t>
+            </a:r>
+          </a:p>
+          <a:p>
+            <a:pPr marL="372533" indent="-372533" defTabSz="2438400">
+              <a:spcBef>
+                <a:spcPts val="1600"/>
+              </a:spcBef>
+              <a:buClr>
+                <a:srgbClr val="000000"/>
+              </a:buClr>
+              <a:buSzPct val="100000"/>
+              <a:defRPr sz="2600">
+                <a:latin typeface="Graphik"/>
+                <a:ea typeface="Graphik"/>
+                <a:cs typeface="Graphik"/>
+                <a:sym typeface="Graphik"/>
+              </a:defRPr>
+            </a:pPr>
+            <a:r>
+              <a:rPr lang="en-US" dirty="0"/>
+              <a:t>Provide user interface for controlling image processor</a:t>
+            </a:r>
+          </a:p>
+          <a:p>
+            <a:pPr marL="0" indent="0" defTabSz="2438400">
+              <a:spcBef>
+                <a:spcPts val="1600"/>
+              </a:spcBef>
+              <a:buClr>
+                <a:srgbClr val="000000"/>
+              </a:buClr>
+              <a:buSzPct val="100000"/>
+              <a:buNone/>
+              <a:defRPr sz="2600">
+                <a:latin typeface="Graphik"/>
+                <a:ea typeface="Graphik"/>
+                <a:cs typeface="Graphik"/>
+                <a:sym typeface="Graphik"/>
+              </a:defRPr>
+            </a:pPr>
+            <a:endParaRPr lang="en-US" dirty="0"/>
+          </a:p>
+          <a:p>
+            <a:pPr marL="372533" indent="-372533" defTabSz="2438400">
+              <a:spcBef>
+                <a:spcPts val="1600"/>
+              </a:spcBef>
+              <a:buClr>
+                <a:srgbClr val="000000"/>
+              </a:buClr>
+              <a:buSzPct val="100000"/>
+              <a:defRPr sz="2600">
+                <a:latin typeface="Graphik"/>
+                <a:ea typeface="Graphik"/>
+                <a:cs typeface="Graphik"/>
+                <a:sym typeface="Graphik"/>
+              </a:defRPr>
+            </a:pPr>
+            <a:endParaRPr lang="en-US" dirty="0"/>
+          </a:p>
+        </p:txBody>
+      </p:sp>
+    </p:spTree>
+    <p:extLst>
+      <p:ext uri="{BB962C8B-B14F-4D97-AF65-F5344CB8AC3E}">
+        <p14:creationId xmlns:p14="http://schemas.microsoft.com/office/powerpoint/2010/main" val="2497708889"/>
+      </p:ext>
+    </p:extLst>
+  </p:cSld>
+  <p:clrMapOvr>
+    <a:masterClrMapping/>
+  </p:clrMapOvr>
+  <p:transition spd="med"/>
+</p:sld>
+</file>
+
+<file path=ppt/slides/slide3.xml><?xml version="1.0" encoding="utf-8"?>
+<p:sld xmlns:a="http://schemas.openxmlformats.org/drawingml/2006/main" xmlns:r="http://schemas.openxmlformats.org/officeDocument/2006/relationships" xmlns:p="http://schemas.openxmlformats.org/presentationml/2006/main">
+  <p:cSld>
+    <p:spTree>
+      <p:nvGrpSpPr>
+        <p:cNvPr id="1" name=""/>
+        <p:cNvGrpSpPr/>
+        <p:nvPr/>
+      </p:nvGrpSpPr>
+      <p:grpSpPr>
+        <a:xfrm>
+          <a:off x="0" y="0"/>
+          <a:ext cx="0" cy="0"/>
+          <a:chOff x="0" y="0"/>
+          <a:chExt cx="0" cy="0"/>
+        </a:xfrm>
+      </p:grpSpPr>
+      <p:sp>
+        <p:nvSpPr>
+          <p:cNvPr id="4" name="Title 3">
+            <a:extLst>
+              <a:ext uri="{FF2B5EF4-FFF2-40B4-BE49-F238E27FC236}">
+                <a16:creationId xmlns:a16="http://schemas.microsoft.com/office/drawing/2014/main" id="{074AA685-1770-2BF8-C47B-B4B9333D2274}"/>
+              </a:ext>
+            </a:extLst>
+          </p:cNvPr>
+          <p:cNvSpPr>
+            <a:spLocks noGrp="1"/>
+          </p:cNvSpPr>
+          <p:nvPr>
+            <p:ph type="title"/>
+          </p:nvPr>
+        </p:nvSpPr>
+        <p:spPr/>
+        <p:txBody>
+          <a:bodyPr/>
+          <a:lstStyle/>
+          <a:p>
+            <a:r>
+              <a:rPr lang="en-US" dirty="0">
+                <a:solidFill>
+                  <a:schemeClr val="tx1"/>
+                </a:solidFill>
+              </a:rPr>
+              <a:t>FPGA Processor </a:t>
+            </a:r>
+            <a:r>
+              <a:rPr lang="en-US" dirty="0" err="1">
+                <a:solidFill>
+                  <a:schemeClr val="tx1"/>
+                </a:solidFill>
+              </a:rPr>
+              <a:t>ToE</a:t>
+            </a:r>
+            <a:endParaRPr lang="en-US" dirty="0">
+              <a:solidFill>
+                <a:schemeClr val="tx1"/>
+              </a:solidFill>
+            </a:endParaRPr>
+          </a:p>
+        </p:txBody>
+      </p:sp>
+    </p:spTree>
+    <p:extLst>
+      <p:ext uri="{BB962C8B-B14F-4D97-AF65-F5344CB8AC3E}">
+        <p14:creationId xmlns:p14="http://schemas.microsoft.com/office/powerpoint/2010/main" val="2299892093"/>
+      </p:ext>
+    </p:extLst>
+  </p:cSld>
+  <p:clrMapOvr>
+    <a:masterClrMapping/>
+  </p:clrMapOvr>
+  <p:transition spd="med"/>
+</p:sld>
+</file>
+
+<file path=ppt/slides/slide4.xml><?xml version="1.0" encoding="utf-8"?>
+<p:sld xmlns:a="http://schemas.openxmlformats.org/drawingml/2006/main" xmlns:r="http://schemas.openxmlformats.org/officeDocument/2006/relationships" xmlns:p="http://schemas.openxmlformats.org/presentationml/2006/main">
+  <p:cSld>
+    <p:spTree>
+      <p:nvGrpSpPr>
+        <p:cNvPr id="1" name=""/>
+        <p:cNvGrpSpPr/>
+        <p:nvPr/>
+      </p:nvGrpSpPr>
+      <p:grpSpPr>
+        <a:xfrm>
+          <a:off x="0" y="0"/>
+          <a:ext cx="0" cy="0"/>
+          <a:chOff x="0" y="0"/>
+          <a:chExt cx="0" cy="0"/>
+        </a:xfrm>
+      </p:grpSpPr>
+      <p:sp>
+        <p:nvSpPr>
+          <p:cNvPr id="186" name="D.I.C.E | Stage 1 - Image capture"/>
+          <p:cNvSpPr txBox="1">
+            <a:spLocks noGrp="1"/>
+          </p:cNvSpPr>
+          <p:nvPr>
+            <p:ph type="body" idx="21"/>
+          </p:nvPr>
+        </p:nvSpPr>
+        <p:spPr>
+          <a:xfrm>
+            <a:off x="400266" y="177800"/>
+            <a:ext cx="22231351" cy="895351"/>
+          </a:xfrm>
+          <a:prstGeom prst="rect">
+            <a:avLst/>
+          </a:prstGeom>
+        </p:spPr>
+        <p:txBody>
+          <a:bodyPr/>
+          <a:lstStyle/>
+          <a:p>
+            <a:pPr marL="0" indent="0" defTabSz="819150">
+              <a:spcBef>
+                <a:spcPts val="0"/>
+              </a:spcBef>
+              <a:buClrTx/>
+              <a:buSzTx/>
+              <a:buNone/>
+              <a:defRPr>
+                <a:solidFill>
+                  <a:srgbClr val="0096FF"/>
+                </a:solidFill>
+                <a:latin typeface="SF Hello Regular"/>
+                <a:ea typeface="SF Hello Regular"/>
+                <a:cs typeface="SF Hello Regular"/>
+                <a:sym typeface="SF Hello Regular"/>
+              </a:defRPr>
+            </a:pPr>
+            <a:r>
+              <a:rPr lang="en-US" dirty="0"/>
+              <a:t>D.I.C.E</a:t>
+            </a:r>
+            <a:r>
+              <a:rPr dirty="0">
+                <a:solidFill>
+                  <a:srgbClr val="444444"/>
+                </a:solidFill>
+              </a:rPr>
+              <a:t>| </a:t>
+            </a:r>
+            <a:r>
+              <a:rPr b="1" dirty="0">
+                <a:solidFill>
+                  <a:srgbClr val="444444"/>
+                </a:solidFill>
+                <a:latin typeface="Helvetica"/>
+                <a:ea typeface="Helvetica"/>
+                <a:cs typeface="Helvetica"/>
+                <a:sym typeface="Helvetica"/>
+              </a:rPr>
+              <a:t>Stage 1 - Image capture</a:t>
+            </a:r>
+          </a:p>
+        </p:txBody>
+      </p:sp>
+      <p:sp>
+        <p:nvSpPr>
+          <p:cNvPr id="187" name="Slide Number"/>
+          <p:cNvSpPr txBox="1">
+            <a:spLocks noGrp="1"/>
+          </p:cNvSpPr>
+          <p:nvPr>
+            <p:ph type="sldNum" sz="quarter" idx="2"/>
+          </p:nvPr>
+        </p:nvSpPr>
+        <p:spPr>
+          <a:xfrm>
+            <a:off x="12085408" y="13430250"/>
+            <a:ext cx="213184" cy="317500"/>
+          </a:xfrm>
+          <a:prstGeom prst="rect">
+            <a:avLst/>
+          </a:prstGeom>
+          <a:extLst>
+            <a:ext uri="{C572A759-6A51-4108-AA02-DFA0A04FC94B}">
+              <ma14:wrappingTextBoxFlag xmlns="" xmlns:m="http://schemas.openxmlformats.org/officeDocument/2006/math" xmlns:a14="http://schemas.microsoft.com/office/drawing/2010/main" xmlns:ma14="http://schemas.microsoft.com/office/mac/drawingml/2011/main" val="1"/>
+            </a:ext>
+          </a:extLst>
+        </p:spPr>
+        <p:txBody>
+          <a:bodyPr/>
+          <a:lstStyle/>
+          <a:p>
+            <a:fld id="{86CB4B4D-7CA3-9044-876B-883B54F8677D}" type="slidenum">
+              <a:rPr/>
+              <a:t>4</a:t>
             </a:fld>
             <a:endParaRPr/>
           </a:p>
@@ -5389,7 +6755,7 @@
             <a:effectLst/>
             <a:extLst>
               <a:ext uri="{C572A759-6A51-4108-AA02-DFA0A04FC94B}">
-                <ma14:wrappingTextBoxFlag xmlns:ma14="http://schemas.microsoft.com/office/mac/drawingml/2011/main" xmlns:a14="http://schemas.microsoft.com/office/drawing/2010/main" xmlns:m="http://schemas.openxmlformats.org/officeDocument/2006/math" xmlns="" val="1"/>
+                <ma14:wrappingTextBoxFlag xmlns="" xmlns:m="http://schemas.openxmlformats.org/officeDocument/2006/math" xmlns:a14="http://schemas.microsoft.com/office/drawing/2010/main" xmlns:ma14="http://schemas.microsoft.com/office/mac/drawingml/2011/main" val="1"/>
               </a:ext>
             </a:extLst>
           </p:spPr>
@@ -5486,7 +6852,7 @@
             <a:effectLst/>
             <a:extLst>
               <a:ext uri="{C572A759-6A51-4108-AA02-DFA0A04FC94B}">
-                <ma14:wrappingTextBoxFlag xmlns:ma14="http://schemas.microsoft.com/office/mac/drawingml/2011/main" xmlns:a14="http://schemas.microsoft.com/office/drawing/2010/main" xmlns:m="http://schemas.openxmlformats.org/officeDocument/2006/math" xmlns="" val="1"/>
+                <ma14:wrappingTextBoxFlag xmlns="" xmlns:m="http://schemas.openxmlformats.org/officeDocument/2006/math" xmlns:a14="http://schemas.microsoft.com/office/drawing/2010/main" xmlns:ma14="http://schemas.microsoft.com/office/mac/drawingml/2011/main" val="1"/>
               </a:ext>
             </a:extLst>
           </p:spPr>
@@ -5553,7 +6919,7 @@
 </p:sld>
 </file>
 
-<file path=ppt/slides/slide3.xml><?xml version="1.0" encoding="utf-8"?>
+<file path=ppt/slides/slide5.xml><?xml version="1.0" encoding="utf-8"?>
 <p:sld xmlns:a="http://schemas.openxmlformats.org/drawingml/2006/main" xmlns:r="http://schemas.openxmlformats.org/officeDocument/2006/relationships" xmlns:p="http://schemas.openxmlformats.org/presentationml/2006/main">
   <p:cSld>
     <p:spTree>
@@ -5657,7 +7023,7 @@
           </a:prstGeom>
           <a:extLst>
             <a:ext uri="{C572A759-6A51-4108-AA02-DFA0A04FC94B}">
-              <ma14:wrappingTextBoxFlag xmlns:ma14="http://schemas.microsoft.com/office/mac/drawingml/2011/main" xmlns:a14="http://schemas.microsoft.com/office/drawing/2010/main" xmlns:m="http://schemas.openxmlformats.org/officeDocument/2006/math" xmlns="" val="1"/>
+              <ma14:wrappingTextBoxFlag xmlns="" xmlns:m="http://schemas.openxmlformats.org/officeDocument/2006/math" xmlns:a14="http://schemas.microsoft.com/office/drawing/2010/main" xmlns:ma14="http://schemas.microsoft.com/office/mac/drawingml/2011/main" val="1"/>
             </a:ext>
           </a:extLst>
         </p:spPr>
@@ -5666,7 +7032,7 @@
           <a:lstStyle/>
           <a:p>
             <a:fld id="{86CB4B4D-7CA3-9044-876B-883B54F8677D}" type="slidenum">
-              <a:t>3</a:t>
+              <a:t>5</a:t>
             </a:fld>
             <a:endParaRPr/>
           </a:p>
@@ -5916,7 +7282,7 @@
             <a:effectLst/>
             <a:extLst>
               <a:ext uri="{C572A759-6A51-4108-AA02-DFA0A04FC94B}">
-                <ma14:wrappingTextBoxFlag xmlns:ma14="http://schemas.microsoft.com/office/mac/drawingml/2011/main" xmlns:a14="http://schemas.microsoft.com/office/drawing/2010/main" xmlns:m="http://schemas.openxmlformats.org/officeDocument/2006/math" xmlns="" val="1"/>
+                <ma14:wrappingTextBoxFlag xmlns="" xmlns:m="http://schemas.openxmlformats.org/officeDocument/2006/math" xmlns:a14="http://schemas.microsoft.com/office/drawing/2010/main" xmlns:ma14="http://schemas.microsoft.com/office/mac/drawingml/2011/main" val="1"/>
               </a:ext>
             </a:extLst>
           </p:spPr>
@@ -6670,7 +8036,7 @@
 </p:sld>
 </file>
 
-<file path=ppt/slides/slide4.xml><?xml version="1.0" encoding="utf-8"?>
+<file path=ppt/slides/slide6.xml><?xml version="1.0" encoding="utf-8"?>
 <p:sld xmlns:a="http://schemas.openxmlformats.org/drawingml/2006/main" xmlns:r="http://schemas.openxmlformats.org/officeDocument/2006/relationships" xmlns:p="http://schemas.openxmlformats.org/presentationml/2006/main">
   <p:cSld>
     <p:spTree>
@@ -6725,7 +8091,7 @@
             <a:effectLst/>
             <a:extLst>
               <a:ext uri="{C572A759-6A51-4108-AA02-DFA0A04FC94B}">
-                <ma14:wrappingTextBoxFlag xmlns:ma14="http://schemas.microsoft.com/office/mac/drawingml/2011/main" xmlns:a14="http://schemas.microsoft.com/office/drawing/2010/main" xmlns:m="http://schemas.openxmlformats.org/officeDocument/2006/math" xmlns="" val="1"/>
+                <ma14:wrappingTextBoxFlag xmlns="" xmlns:m="http://schemas.openxmlformats.org/officeDocument/2006/math" xmlns:a14="http://schemas.microsoft.com/office/drawing/2010/main" xmlns:ma14="http://schemas.microsoft.com/office/mac/drawingml/2011/main" val="1"/>
               </a:ext>
             </a:extLst>
           </p:spPr>
@@ -6807,7 +8173,7 @@
             <a:effectLst/>
             <a:extLst>
               <a:ext uri="{C572A759-6A51-4108-AA02-DFA0A04FC94B}">
-                <ma14:wrappingTextBoxFlag xmlns:ma14="http://schemas.microsoft.com/office/mac/drawingml/2011/main" xmlns:a14="http://schemas.microsoft.com/office/drawing/2010/main" xmlns:m="http://schemas.openxmlformats.org/officeDocument/2006/math" xmlns="" val="1"/>
+                <ma14:wrappingTextBoxFlag xmlns="" xmlns:m="http://schemas.openxmlformats.org/officeDocument/2006/math" xmlns:a14="http://schemas.microsoft.com/office/drawing/2010/main" xmlns:ma14="http://schemas.microsoft.com/office/mac/drawingml/2011/main" val="1"/>
               </a:ext>
             </a:extLst>
           </p:spPr>
@@ -7652,7 +9018,7 @@
           </a:prstGeom>
           <a:extLst>
             <a:ext uri="{C572A759-6A51-4108-AA02-DFA0A04FC94B}">
-              <ma14:wrappingTextBoxFlag xmlns:ma14="http://schemas.microsoft.com/office/mac/drawingml/2011/main" xmlns:a14="http://schemas.microsoft.com/office/drawing/2010/main" xmlns:m="http://schemas.openxmlformats.org/officeDocument/2006/math" xmlns="" val="1"/>
+              <ma14:wrappingTextBoxFlag xmlns="" xmlns:m="http://schemas.openxmlformats.org/officeDocument/2006/math" xmlns:a14="http://schemas.microsoft.com/office/drawing/2010/main" xmlns:ma14="http://schemas.microsoft.com/office/mac/drawingml/2011/main" val="1"/>
             </a:ext>
           </a:extLst>
         </p:spPr>
@@ -7662,7 +9028,7 @@
           <a:p>
             <a:fld id="{86CB4B4D-7CA3-9044-876B-883B54F8677D}" type="slidenum">
               <a:rPr/>
-              <a:t>4</a:t>
+              <a:t>6</a:t>
             </a:fld>
             <a:endParaRPr/>
           </a:p>
@@ -7706,7 +9072,7 @@
             <a:effectLst/>
             <a:extLst>
               <a:ext uri="{C572A759-6A51-4108-AA02-DFA0A04FC94B}">
-                <ma14:wrappingTextBoxFlag xmlns:ma14="http://schemas.microsoft.com/office/mac/drawingml/2011/main" xmlns:a14="http://schemas.microsoft.com/office/drawing/2010/main" xmlns:m="http://schemas.openxmlformats.org/officeDocument/2006/math" xmlns="" val="1"/>
+                <ma14:wrappingTextBoxFlag xmlns="" xmlns:m="http://schemas.openxmlformats.org/officeDocument/2006/math" xmlns:a14="http://schemas.microsoft.com/office/drawing/2010/main" xmlns:ma14="http://schemas.microsoft.com/office/mac/drawingml/2011/main" val="1"/>
               </a:ext>
             </a:extLst>
           </p:spPr>
@@ -8626,7 +9992,7 @@
           </a:ln>
           <a:extLst>
             <a:ext uri="{C572A759-6A51-4108-AA02-DFA0A04FC94B}">
-              <ma14:wrappingTextBoxFlag xmlns:ma14="http://schemas.microsoft.com/office/mac/drawingml/2011/main" xmlns:a14="http://schemas.microsoft.com/office/drawing/2010/main" xmlns:m="http://schemas.openxmlformats.org/officeDocument/2006/math" xmlns="" val="1"/>
+              <ma14:wrappingTextBoxFlag xmlns="" xmlns:m="http://schemas.openxmlformats.org/officeDocument/2006/math" xmlns:a14="http://schemas.microsoft.com/office/drawing/2010/main" xmlns:ma14="http://schemas.microsoft.com/office/mac/drawingml/2011/main" val="1"/>
             </a:ext>
           </a:extLst>
         </p:spPr>
@@ -8810,7 +10176,7 @@
             <a:effectLst/>
             <a:extLst>
               <a:ext uri="{C572A759-6A51-4108-AA02-DFA0A04FC94B}">
-                <ma14:wrappingTextBoxFlag xmlns:ma14="http://schemas.microsoft.com/office/mac/drawingml/2011/main" xmlns:a14="http://schemas.microsoft.com/office/drawing/2010/main" xmlns:m="http://schemas.openxmlformats.org/officeDocument/2006/math" xmlns="" val="1"/>
+                <ma14:wrappingTextBoxFlag xmlns="" xmlns:m="http://schemas.openxmlformats.org/officeDocument/2006/math" xmlns:a14="http://schemas.microsoft.com/office/drawing/2010/main" xmlns:ma14="http://schemas.microsoft.com/office/mac/drawingml/2011/main" val="1"/>
               </a:ext>
             </a:extLst>
           </p:spPr>
@@ -8892,7 +10258,7 @@
             <a:effectLst/>
             <a:extLst>
               <a:ext uri="{C572A759-6A51-4108-AA02-DFA0A04FC94B}">
-                <ma14:wrappingTextBoxFlag xmlns:ma14="http://schemas.microsoft.com/office/mac/drawingml/2011/main" xmlns:a14="http://schemas.microsoft.com/office/drawing/2010/main" xmlns:m="http://schemas.openxmlformats.org/officeDocument/2006/math" xmlns="" val="1"/>
+                <ma14:wrappingTextBoxFlag xmlns="" xmlns:m="http://schemas.openxmlformats.org/officeDocument/2006/math" xmlns:a14="http://schemas.microsoft.com/office/drawing/2010/main" xmlns:ma14="http://schemas.microsoft.com/office/mac/drawingml/2011/main" val="1"/>
               </a:ext>
             </a:extLst>
           </p:spPr>
@@ -10014,7 +11380,7 @@
             <a:effectLst/>
             <a:extLst>
               <a:ext uri="{C572A759-6A51-4108-AA02-DFA0A04FC94B}">
-                <ma14:wrappingTextBoxFlag xmlns:ma14="http://schemas.microsoft.com/office/mac/drawingml/2011/main" xmlns:a14="http://schemas.microsoft.com/office/drawing/2010/main" xmlns:m="http://schemas.openxmlformats.org/officeDocument/2006/math" xmlns="" val="1"/>
+                <ma14:wrappingTextBoxFlag xmlns="" xmlns:m="http://schemas.openxmlformats.org/officeDocument/2006/math" xmlns:a14="http://schemas.microsoft.com/office/drawing/2010/main" xmlns:ma14="http://schemas.microsoft.com/office/mac/drawingml/2011/main" val="1"/>
               </a:ext>
             </a:extLst>
           </p:spPr>
@@ -11189,7 +12555,7 @@
             <a:effectLst/>
             <a:extLst>
               <a:ext uri="{C572A759-6A51-4108-AA02-DFA0A04FC94B}">
-                <ma14:wrappingTextBoxFlag xmlns:ma14="http://schemas.microsoft.com/office/mac/drawingml/2011/main" xmlns:a14="http://schemas.microsoft.com/office/drawing/2010/main" xmlns:m="http://schemas.openxmlformats.org/officeDocument/2006/math" xmlns="" val="1"/>
+                <ma14:wrappingTextBoxFlag xmlns="" xmlns:m="http://schemas.openxmlformats.org/officeDocument/2006/math" xmlns:a14="http://schemas.microsoft.com/office/drawing/2010/main" xmlns:ma14="http://schemas.microsoft.com/office/mac/drawingml/2011/main" val="1"/>
               </a:ext>
             </a:extLst>
           </p:spPr>
@@ -11271,7 +12637,7 @@
             <a:effectLst/>
             <a:extLst>
               <a:ext uri="{C572A759-6A51-4108-AA02-DFA0A04FC94B}">
-                <ma14:wrappingTextBoxFlag xmlns:ma14="http://schemas.microsoft.com/office/mac/drawingml/2011/main" xmlns:a14="http://schemas.microsoft.com/office/drawing/2010/main" xmlns:m="http://schemas.openxmlformats.org/officeDocument/2006/math" xmlns="" val="1"/>
+                <ma14:wrappingTextBoxFlag xmlns="" xmlns:m="http://schemas.openxmlformats.org/officeDocument/2006/math" xmlns:a14="http://schemas.microsoft.com/office/drawing/2010/main" xmlns:ma14="http://schemas.microsoft.com/office/mac/drawingml/2011/main" val="1"/>
               </a:ext>
             </a:extLst>
           </p:spPr>
@@ -11723,7 +13089,7 @@
           </a:ln>
           <a:extLst>
             <a:ext uri="{C572A759-6A51-4108-AA02-DFA0A04FC94B}">
-              <ma14:wrappingTextBoxFlag xmlns:ma14="http://schemas.microsoft.com/office/mac/drawingml/2011/main" xmlns:a14="http://schemas.microsoft.com/office/drawing/2010/main" xmlns:m="http://schemas.openxmlformats.org/officeDocument/2006/math" xmlns="" val="1"/>
+              <ma14:wrappingTextBoxFlag xmlns="" xmlns:m="http://schemas.openxmlformats.org/officeDocument/2006/math" xmlns:a14="http://schemas.microsoft.com/office/drawing/2010/main" xmlns:ma14="http://schemas.microsoft.com/office/mac/drawingml/2011/main" val="1"/>
             </a:ext>
           </a:extLst>
         </p:spPr>
@@ -11938,7 +13304,7 @@
           </a:ln>
           <a:extLst>
             <a:ext uri="{C572A759-6A51-4108-AA02-DFA0A04FC94B}">
-              <ma14:wrappingTextBoxFlag xmlns:ma14="http://schemas.microsoft.com/office/mac/drawingml/2011/main" xmlns:a14="http://schemas.microsoft.com/office/drawing/2010/main" xmlns:m="http://schemas.openxmlformats.org/officeDocument/2006/math" xmlns="" val="1"/>
+              <ma14:wrappingTextBoxFlag xmlns="" xmlns:m="http://schemas.openxmlformats.org/officeDocument/2006/math" xmlns:a14="http://schemas.microsoft.com/office/drawing/2010/main" xmlns:ma14="http://schemas.microsoft.com/office/mac/drawingml/2011/main" val="1"/>
             </a:ext>
           </a:extLst>
         </p:spPr>
@@ -11967,7 +13333,7 @@
 </p:sld>
 </file>
 
-<file path=ppt/slides/slide5.xml><?xml version="1.0" encoding="utf-8"?>
+<file path=ppt/slides/slide7.xml><?xml version="1.0" encoding="utf-8"?>
 <p:sld xmlns:a="http://schemas.openxmlformats.org/drawingml/2006/main" xmlns:r="http://schemas.openxmlformats.org/officeDocument/2006/relationships" xmlns:p="http://schemas.openxmlformats.org/presentationml/2006/main">
   <p:cSld>
     <p:spTree>
@@ -12071,7 +13437,7 @@
           </a:prstGeom>
           <a:extLst>
             <a:ext uri="{C572A759-6A51-4108-AA02-DFA0A04FC94B}">
-              <ma14:wrappingTextBoxFlag xmlns:ma14="http://schemas.microsoft.com/office/mac/drawingml/2011/main" xmlns:a14="http://schemas.microsoft.com/office/drawing/2010/main" xmlns:m="http://schemas.openxmlformats.org/officeDocument/2006/math" xmlns="" val="1"/>
+              <ma14:wrappingTextBoxFlag xmlns="" xmlns:m="http://schemas.openxmlformats.org/officeDocument/2006/math" xmlns:a14="http://schemas.microsoft.com/office/drawing/2010/main" xmlns:ma14="http://schemas.microsoft.com/office/mac/drawingml/2011/main" val="1"/>
             </a:ext>
           </a:extLst>
         </p:spPr>
@@ -12080,7 +13446,7 @@
           <a:lstStyle/>
           <a:p>
             <a:fld id="{86CB4B4D-7CA3-9044-876B-883B54F8677D}" type="slidenum">
-              <a:t>5</a:t>
+              <a:t>7</a:t>
             </a:fld>
             <a:endParaRPr/>
           </a:p>
@@ -12229,7 +13595,7 @@
             <a:effectLst/>
             <a:extLst>
               <a:ext uri="{C572A759-6A51-4108-AA02-DFA0A04FC94B}">
-                <ma14:wrappingTextBoxFlag xmlns:ma14="http://schemas.microsoft.com/office/mac/drawingml/2011/main" xmlns:a14="http://schemas.microsoft.com/office/drawing/2010/main" xmlns:m="http://schemas.openxmlformats.org/officeDocument/2006/math" xmlns="" val="1"/>
+                <ma14:wrappingTextBoxFlag xmlns="" xmlns:m="http://schemas.openxmlformats.org/officeDocument/2006/math" xmlns:a14="http://schemas.microsoft.com/office/drawing/2010/main" xmlns:ma14="http://schemas.microsoft.com/office/mac/drawingml/2011/main" val="1"/>
               </a:ext>
             </a:extLst>
           </p:spPr>
@@ -13805,7 +15171,7 @@
           </a:ln>
           <a:extLst>
             <a:ext uri="{C572A759-6A51-4108-AA02-DFA0A04FC94B}">
-              <ma14:wrappingTextBoxFlag xmlns:ma14="http://schemas.microsoft.com/office/mac/drawingml/2011/main" xmlns:a14="http://schemas.microsoft.com/office/drawing/2010/main" xmlns:m="http://schemas.openxmlformats.org/officeDocument/2006/math" xmlns="" val="1"/>
+              <ma14:wrappingTextBoxFlag xmlns="" xmlns:m="http://schemas.openxmlformats.org/officeDocument/2006/math" xmlns:a14="http://schemas.microsoft.com/office/drawing/2010/main" xmlns:ma14="http://schemas.microsoft.com/office/mac/drawingml/2011/main" val="1"/>
             </a:ext>
           </a:extLst>
         </p:spPr>
@@ -13957,7 +15323,7 @@
           </a:ln>
           <a:extLst>
             <a:ext uri="{C572A759-6A51-4108-AA02-DFA0A04FC94B}">
-              <ma14:wrappingTextBoxFlag xmlns:ma14="http://schemas.microsoft.com/office/mac/drawingml/2011/main" xmlns:a14="http://schemas.microsoft.com/office/drawing/2010/main" xmlns:m="http://schemas.openxmlformats.org/officeDocument/2006/math" xmlns="" val="1"/>
+              <ma14:wrappingTextBoxFlag xmlns="" xmlns:m="http://schemas.openxmlformats.org/officeDocument/2006/math" xmlns:a14="http://schemas.microsoft.com/office/drawing/2010/main" xmlns:ma14="http://schemas.microsoft.com/office/mac/drawingml/2011/main" val="1"/>
             </a:ext>
           </a:extLst>
         </p:spPr>
@@ -14053,7 +15419,7 @@
 </p:sld>
 </file>
 
-<file path=ppt/slides/slide6.xml><?xml version="1.0" encoding="utf-8"?>
+<file path=ppt/slides/slide8.xml><?xml version="1.0" encoding="utf-8"?>
 <p:sld xmlns:a="http://schemas.openxmlformats.org/drawingml/2006/main" xmlns:r="http://schemas.openxmlformats.org/officeDocument/2006/relationships" xmlns:p="http://schemas.openxmlformats.org/presentationml/2006/main">
   <p:cSld>
     <p:spTree>
@@ -14157,7 +15523,7 @@
           </a:prstGeom>
           <a:extLst>
             <a:ext uri="{C572A759-6A51-4108-AA02-DFA0A04FC94B}">
-              <ma14:wrappingTextBoxFlag xmlns:ma14="http://schemas.microsoft.com/office/mac/drawingml/2011/main" xmlns:a14="http://schemas.microsoft.com/office/drawing/2010/main" xmlns:m="http://schemas.openxmlformats.org/officeDocument/2006/math" xmlns="" val="1"/>
+              <ma14:wrappingTextBoxFlag xmlns="" xmlns:m="http://schemas.openxmlformats.org/officeDocument/2006/math" xmlns:a14="http://schemas.microsoft.com/office/drawing/2010/main" xmlns:ma14="http://schemas.microsoft.com/office/mac/drawingml/2011/main" val="1"/>
             </a:ext>
           </a:extLst>
         </p:spPr>
@@ -14166,7 +15532,7 @@
           <a:lstStyle/>
           <a:p>
             <a:fld id="{86CB4B4D-7CA3-9044-876B-883B54F8677D}" type="slidenum">
-              <a:t>6</a:t>
+              <a:t>8</a:t>
             </a:fld>
             <a:endParaRPr/>
           </a:p>
@@ -14356,7 +15722,7 @@
             <a:effectLst/>
             <a:extLst>
               <a:ext uri="{C572A759-6A51-4108-AA02-DFA0A04FC94B}">
-                <ma14:wrappingTextBoxFlag xmlns:ma14="http://schemas.microsoft.com/office/mac/drawingml/2011/main" xmlns:a14="http://schemas.microsoft.com/office/drawing/2010/main" xmlns:m="http://schemas.openxmlformats.org/officeDocument/2006/math" xmlns="" val="1"/>
+                <ma14:wrappingTextBoxFlag xmlns="" xmlns:m="http://schemas.openxmlformats.org/officeDocument/2006/math" xmlns:a14="http://schemas.microsoft.com/office/drawing/2010/main" xmlns:ma14="http://schemas.microsoft.com/office/mac/drawingml/2011/main" val="1"/>
               </a:ext>
             </a:extLst>
           </p:spPr>
@@ -15294,7 +16660,7 @@
           </a:ln>
           <a:extLst>
             <a:ext uri="{C572A759-6A51-4108-AA02-DFA0A04FC94B}">
-              <ma14:wrappingTextBoxFlag xmlns:ma14="http://schemas.microsoft.com/office/mac/drawingml/2011/main" xmlns:a14="http://schemas.microsoft.com/office/drawing/2010/main" xmlns:m="http://schemas.openxmlformats.org/officeDocument/2006/math" xmlns="" val="1"/>
+              <ma14:wrappingTextBoxFlag xmlns="" xmlns:m="http://schemas.openxmlformats.org/officeDocument/2006/math" xmlns:a14="http://schemas.microsoft.com/office/drawing/2010/main" xmlns:ma14="http://schemas.microsoft.com/office/mac/drawingml/2011/main" val="1"/>
             </a:ext>
           </a:extLst>
         </p:spPr>
@@ -15409,7 +16775,7 @@
           </a:ln>
           <a:extLst>
             <a:ext uri="{C572A759-6A51-4108-AA02-DFA0A04FC94B}">
-              <ma14:wrappingTextBoxFlag xmlns:ma14="http://schemas.microsoft.com/office/mac/drawingml/2011/main" xmlns:a14="http://schemas.microsoft.com/office/drawing/2010/main" xmlns:m="http://schemas.openxmlformats.org/officeDocument/2006/math" xmlns="" val="1"/>
+              <ma14:wrappingTextBoxFlag xmlns="" xmlns:m="http://schemas.openxmlformats.org/officeDocument/2006/math" xmlns:a14="http://schemas.microsoft.com/office/drawing/2010/main" xmlns:ma14="http://schemas.microsoft.com/office/mac/drawingml/2011/main" val="1"/>
             </a:ext>
           </a:extLst>
         </p:spPr>
@@ -16276,7 +17642,7 @@
           </a:ln>
           <a:extLst>
             <a:ext uri="{C572A759-6A51-4108-AA02-DFA0A04FC94B}">
-              <ma14:wrappingTextBoxFlag xmlns:ma14="http://schemas.microsoft.com/office/mac/drawingml/2011/main" xmlns:a14="http://schemas.microsoft.com/office/drawing/2010/main" xmlns:m="http://schemas.openxmlformats.org/officeDocument/2006/math" xmlns="" val="1"/>
+              <ma14:wrappingTextBoxFlag xmlns="" xmlns:m="http://schemas.openxmlformats.org/officeDocument/2006/math" xmlns:a14="http://schemas.microsoft.com/office/drawing/2010/main" xmlns:ma14="http://schemas.microsoft.com/office/mac/drawingml/2011/main" val="1"/>
             </a:ext>
           </a:extLst>
         </p:spPr>
@@ -16485,7 +17851,7 @@
 </p:sld>
 </file>
 
-<file path=ppt/slides/slide7.xml><?xml version="1.0" encoding="utf-8"?>
+<file path=ppt/slides/slide9.xml><?xml version="1.0" encoding="utf-8"?>
 <p:sld xmlns:a="http://schemas.openxmlformats.org/drawingml/2006/main" xmlns:r="http://schemas.openxmlformats.org/officeDocument/2006/relationships" xmlns:p="http://schemas.openxmlformats.org/presentationml/2006/main">
   <p:cSld>
     <p:spTree>
@@ -16613,7 +17979,7 @@
           </a:prstGeom>
           <a:extLst>
             <a:ext uri="{C572A759-6A51-4108-AA02-DFA0A04FC94B}">
-              <ma14:wrappingTextBoxFlag xmlns:ma14="http://schemas.microsoft.com/office/mac/drawingml/2011/main" xmlns:a14="http://schemas.microsoft.com/office/drawing/2010/main" xmlns:m="http://schemas.openxmlformats.org/officeDocument/2006/math" xmlns="" val="1"/>
+              <ma14:wrappingTextBoxFlag xmlns="" xmlns:m="http://schemas.openxmlformats.org/officeDocument/2006/math" xmlns:a14="http://schemas.microsoft.com/office/drawing/2010/main" xmlns:ma14="http://schemas.microsoft.com/office/mac/drawingml/2011/main" val="1"/>
             </a:ext>
           </a:extLst>
         </p:spPr>
@@ -16622,7 +17988,7 @@
           <a:lstStyle/>
           <a:p>
             <a:fld id="{86CB4B4D-7CA3-9044-876B-883B54F8677D}" type="slidenum">
-              <a:t>7</a:t>
+              <a:t>9</a:t>
             </a:fld>
             <a:endParaRPr/>
           </a:p>
@@ -16907,7 +18273,7 @@
           </a:ln>
           <a:extLst>
             <a:ext uri="{C572A759-6A51-4108-AA02-DFA0A04FC94B}">
-              <ma14:wrappingTextBoxFlag xmlns:ma14="http://schemas.microsoft.com/office/mac/drawingml/2011/main" xmlns:a14="http://schemas.microsoft.com/office/drawing/2010/main" xmlns:m="http://schemas.openxmlformats.org/officeDocument/2006/math" xmlns="" val="1"/>
+              <ma14:wrappingTextBoxFlag xmlns="" xmlns:m="http://schemas.openxmlformats.org/officeDocument/2006/math" xmlns:a14="http://schemas.microsoft.com/office/drawing/2010/main" xmlns:ma14="http://schemas.microsoft.com/office/mac/drawingml/2011/main" val="1"/>
             </a:ext>
           </a:extLst>
         </p:spPr>
@@ -17016,7 +18382,7 @@
           </a:ln>
           <a:extLst>
             <a:ext uri="{C572A759-6A51-4108-AA02-DFA0A04FC94B}">
-              <ma14:wrappingTextBoxFlag xmlns:ma14="http://schemas.microsoft.com/office/mac/drawingml/2011/main" xmlns:a14="http://schemas.microsoft.com/office/drawing/2010/main" xmlns:m="http://schemas.openxmlformats.org/officeDocument/2006/math" xmlns="" val="1"/>
+              <ma14:wrappingTextBoxFlag xmlns="" xmlns:m="http://schemas.openxmlformats.org/officeDocument/2006/math" xmlns:a14="http://schemas.microsoft.com/office/drawing/2010/main" xmlns:ma14="http://schemas.microsoft.com/office/mac/drawingml/2011/main" val="1"/>
             </a:ext>
           </a:extLst>
         </p:spPr>
@@ -17068,7 +18434,7 @@
           </a:ln>
           <a:extLst>
             <a:ext uri="{C572A759-6A51-4108-AA02-DFA0A04FC94B}">
-              <ma14:wrappingTextBoxFlag xmlns:ma14="http://schemas.microsoft.com/office/mac/drawingml/2011/main" xmlns:a14="http://schemas.microsoft.com/office/drawing/2010/main" xmlns:m="http://schemas.openxmlformats.org/officeDocument/2006/math" xmlns="" val="1"/>
+              <ma14:wrappingTextBoxFlag xmlns="" xmlns:m="http://schemas.openxmlformats.org/officeDocument/2006/math" xmlns:a14="http://schemas.microsoft.com/office/drawing/2010/main" xmlns:ma14="http://schemas.microsoft.com/office/mac/drawingml/2011/main" val="1"/>
             </a:ext>
           </a:extLst>
         </p:spPr>
@@ -17186,7 +18552,7 @@
           </a:ln>
           <a:extLst>
             <a:ext uri="{C572A759-6A51-4108-AA02-DFA0A04FC94B}">
-              <ma14:wrappingTextBoxFlag xmlns:ma14="http://schemas.microsoft.com/office/mac/drawingml/2011/main" xmlns:a14="http://schemas.microsoft.com/office/drawing/2010/main" xmlns:m="http://schemas.openxmlformats.org/officeDocument/2006/math" xmlns="" val="1"/>
+              <ma14:wrappingTextBoxFlag xmlns="" xmlns:m="http://schemas.openxmlformats.org/officeDocument/2006/math" xmlns:a14="http://schemas.microsoft.com/office/drawing/2010/main" xmlns:ma14="http://schemas.microsoft.com/office/mac/drawingml/2011/main" val="1"/>
             </a:ext>
           </a:extLst>
         </p:spPr>
@@ -17244,7 +18610,7 @@
           </a:ln>
           <a:extLst>
             <a:ext uri="{C572A759-6A51-4108-AA02-DFA0A04FC94B}">
-              <ma14:wrappingTextBoxFlag xmlns:ma14="http://schemas.microsoft.com/office/mac/drawingml/2011/main" xmlns:a14="http://schemas.microsoft.com/office/drawing/2010/main" xmlns:m="http://schemas.openxmlformats.org/officeDocument/2006/math" xmlns="" val="1"/>
+              <ma14:wrappingTextBoxFlag xmlns="" xmlns:m="http://schemas.openxmlformats.org/officeDocument/2006/math" xmlns:a14="http://schemas.microsoft.com/office/drawing/2010/main" xmlns:ma14="http://schemas.microsoft.com/office/mac/drawingml/2011/main" val="1"/>
             </a:ext>
           </a:extLst>
         </p:spPr>
@@ -17302,7 +18668,7 @@
           </a:ln>
           <a:extLst>
             <a:ext uri="{C572A759-6A51-4108-AA02-DFA0A04FC94B}">
-              <ma14:wrappingTextBoxFlag xmlns:ma14="http://schemas.microsoft.com/office/mac/drawingml/2011/main" xmlns:a14="http://schemas.microsoft.com/office/drawing/2010/main" xmlns:m="http://schemas.openxmlformats.org/officeDocument/2006/math" xmlns="" val="1"/>
+              <ma14:wrappingTextBoxFlag xmlns="" xmlns:m="http://schemas.openxmlformats.org/officeDocument/2006/math" xmlns:a14="http://schemas.microsoft.com/office/drawing/2010/main" xmlns:ma14="http://schemas.microsoft.com/office/mac/drawingml/2011/main" val="1"/>
             </a:ext>
           </a:extLst>
         </p:spPr>
@@ -17390,7 +18756,7 @@
           </a:ln>
           <a:extLst>
             <a:ext uri="{C572A759-6A51-4108-AA02-DFA0A04FC94B}">
-              <ma14:wrappingTextBoxFlag xmlns:ma14="http://schemas.microsoft.com/office/mac/drawingml/2011/main" xmlns:a14="http://schemas.microsoft.com/office/drawing/2010/main" xmlns:m="http://schemas.openxmlformats.org/officeDocument/2006/math" xmlns="" val="1"/>
+              <ma14:wrappingTextBoxFlag xmlns="" xmlns:m="http://schemas.openxmlformats.org/officeDocument/2006/math" xmlns:a14="http://schemas.microsoft.com/office/drawing/2010/main" xmlns:ma14="http://schemas.microsoft.com/office/mac/drawingml/2011/main" val="1"/>
             </a:ext>
           </a:extLst>
         </p:spPr>
@@ -17432,754 +18798,6 @@
             <a:r>
               <a:t>USB</a:t>
             </a:r>
-          </a:p>
-        </p:txBody>
-      </p:sp>
-    </p:spTree>
-  </p:cSld>
-  <p:clrMapOvr>
-    <a:masterClrMapping/>
-  </p:clrMapOvr>
-  <p:transition spd="med"/>
-</p:sld>
-</file>
-
-<file path=ppt/slides/slide8.xml><?xml version="1.0" encoding="utf-8"?>
-<p:sld xmlns:a="http://schemas.openxmlformats.org/drawingml/2006/main" xmlns:r="http://schemas.openxmlformats.org/officeDocument/2006/relationships" xmlns:p="http://schemas.openxmlformats.org/presentationml/2006/main">
-  <p:cSld>
-    <p:spTree>
-      <p:nvGrpSpPr>
-        <p:cNvPr id="1" name=""/>
-        <p:cNvGrpSpPr/>
-        <p:nvPr/>
-      </p:nvGrpSpPr>
-      <p:grpSpPr>
-        <a:xfrm>
-          <a:off x="0" y="0"/>
-          <a:ext cx="0" cy="0"/>
-          <a:chOff x="0" y="0"/>
-          <a:chExt cx="0" cy="0"/>
-        </a:xfrm>
-      </p:grpSpPr>
-      <p:sp>
-        <p:nvSpPr>
-          <p:cNvPr id="307" name="D.I.C.E | System Resources"/>
-          <p:cNvSpPr txBox="1">
-            <a:spLocks noGrp="1"/>
-          </p:cNvSpPr>
-          <p:nvPr>
-            <p:ph type="body" idx="21"/>
-          </p:nvPr>
-        </p:nvSpPr>
-        <p:spPr>
-          <a:xfrm>
-            <a:off x="400266" y="177800"/>
-            <a:ext cx="22231351" cy="895351"/>
-          </a:xfrm>
-          <a:prstGeom prst="rect">
-            <a:avLst/>
-          </a:prstGeom>
-        </p:spPr>
-        <p:txBody>
-          <a:bodyPr/>
-          <a:lstStyle/>
-          <a:p>
-            <a:pPr marL="0" indent="0" defTabSz="819150">
-              <a:spcBef>
-                <a:spcPts val="0"/>
-              </a:spcBef>
-              <a:buClrTx/>
-              <a:buSzTx/>
-              <a:buNone/>
-              <a:defRPr>
-                <a:solidFill>
-                  <a:srgbClr val="0096FF"/>
-                </a:solidFill>
-                <a:latin typeface="SF Hello Regular"/>
-                <a:ea typeface="SF Hello Regular"/>
-                <a:cs typeface="SF Hello Regular"/>
-                <a:sym typeface="SF Hello Regular"/>
-              </a:defRPr>
-            </a:pPr>
-            <a:r>
-              <a:rPr lang="en-US" dirty="0"/>
-              <a:t>D.I.C.E </a:t>
-            </a:r>
-            <a:r>
-              <a:rPr dirty="0">
-                <a:solidFill>
-                  <a:srgbClr val="444444"/>
-                </a:solidFill>
-              </a:rPr>
-              <a:t>| </a:t>
-            </a:r>
-            <a:r>
-              <a:rPr b="1" dirty="0">
-                <a:solidFill>
-                  <a:srgbClr val="444444"/>
-                </a:solidFill>
-                <a:latin typeface="Helvetica"/>
-                <a:ea typeface="Helvetica"/>
-                <a:cs typeface="Helvetica"/>
-                <a:sym typeface="Helvetica"/>
-              </a:rPr>
-              <a:t>System Resources</a:t>
-            </a:r>
-          </a:p>
-        </p:txBody>
-      </p:sp>
-      <p:sp>
-        <p:nvSpPr>
-          <p:cNvPr id="308" name="Slide Number"/>
-          <p:cNvSpPr txBox="1">
-            <a:spLocks noGrp="1"/>
-          </p:cNvSpPr>
-          <p:nvPr>
-            <p:ph type="sldNum" sz="quarter" idx="2"/>
-          </p:nvPr>
-        </p:nvSpPr>
-        <p:spPr>
-          <a:xfrm>
-            <a:off x="12085408" y="13430250"/>
-            <a:ext cx="213184" cy="317500"/>
-          </a:xfrm>
-          <a:prstGeom prst="rect">
-            <a:avLst/>
-          </a:prstGeom>
-          <a:extLst>
-            <a:ext uri="{C572A759-6A51-4108-AA02-DFA0A04FC94B}">
-              <ma14:wrappingTextBoxFlag xmlns:ma14="http://schemas.microsoft.com/office/mac/drawingml/2011/main" xmlns:a14="http://schemas.microsoft.com/office/drawing/2010/main" xmlns:m="http://schemas.openxmlformats.org/officeDocument/2006/math" xmlns="" val="1"/>
-            </a:ext>
-          </a:extLst>
-        </p:spPr>
-        <p:txBody>
-          <a:bodyPr/>
-          <a:lstStyle/>
-          <a:p>
-            <a:fld id="{86CB4B4D-7CA3-9044-876B-883B54F8677D}" type="slidenum">
-              <a:rPr/>
-              <a:t>8</a:t>
-            </a:fld>
-            <a:endParaRPr/>
-          </a:p>
-        </p:txBody>
-      </p:sp>
-      <p:sp>
-        <p:nvSpPr>
-          <p:cNvPr id="309" name="XC7A200T FPGA…"/>
-          <p:cNvSpPr txBox="1">
-            <a:spLocks noGrp="1"/>
-          </p:cNvSpPr>
-          <p:nvPr>
-            <p:ph type="body" sz="half" idx="1"/>
-          </p:nvPr>
-        </p:nvSpPr>
-        <p:spPr>
-          <a:xfrm>
-            <a:off x="566467" y="1416049"/>
-            <a:ext cx="9331205" cy="11509737"/>
-          </a:xfrm>
-          <a:prstGeom prst="rect">
-            <a:avLst/>
-          </a:prstGeom>
-        </p:spPr>
-        <p:txBody>
-          <a:bodyPr/>
-          <a:lstStyle/>
-          <a:p>
-            <a:pPr marL="0" indent="0" defTabSz="2438400">
-              <a:lnSpc>
-                <a:spcPct val="100000"/>
-              </a:lnSpc>
-              <a:spcBef>
-                <a:spcPts val="2400"/>
-              </a:spcBef>
-              <a:buSzTx/>
-              <a:buNone/>
-              <a:defRPr sz="2800" b="1">
-                <a:latin typeface="Graphik"/>
-                <a:ea typeface="Graphik"/>
-                <a:cs typeface="Graphik"/>
-                <a:sym typeface="Graphik"/>
-              </a:defRPr>
-            </a:pPr>
-            <a:r>
-              <a:rPr dirty="0"/>
-              <a:t>XC7A200T FPGA</a:t>
-            </a:r>
-          </a:p>
-          <a:p>
-            <a:pPr marL="372533" indent="-372533" defTabSz="2438400">
-              <a:spcBef>
-                <a:spcPts val="1600"/>
-              </a:spcBef>
-              <a:buClr>
-                <a:srgbClr val="000000"/>
-              </a:buClr>
-              <a:buSzPct val="100000"/>
-              <a:defRPr sz="2600">
-                <a:latin typeface="Graphik"/>
-                <a:ea typeface="Graphik"/>
-                <a:cs typeface="Graphik"/>
-                <a:sym typeface="Graphik"/>
-              </a:defRPr>
-            </a:pPr>
-            <a:r>
-              <a:rPr dirty="0"/>
-              <a:t>215,360 Logic Cells</a:t>
-            </a:r>
-          </a:p>
-          <a:p>
-            <a:pPr marL="931333" lvl="1" indent="-372533" defTabSz="2438400">
-              <a:spcBef>
-                <a:spcPts val="1600"/>
-              </a:spcBef>
-              <a:buClr>
-                <a:srgbClr val="000000"/>
-              </a:buClr>
-              <a:buSzPct val="100000"/>
-              <a:buChar char="•"/>
-              <a:defRPr sz="2600">
-                <a:latin typeface="Graphik"/>
-                <a:ea typeface="Graphik"/>
-                <a:cs typeface="Graphik"/>
-                <a:sym typeface="Graphik"/>
-              </a:defRPr>
-            </a:pPr>
-            <a:r>
-              <a:rPr dirty="0"/>
-              <a:t>33,650 Logic Slices</a:t>
-            </a:r>
-          </a:p>
-          <a:p>
-            <a:pPr marL="372533" indent="-372533" defTabSz="2438400">
-              <a:spcBef>
-                <a:spcPts val="1600"/>
-              </a:spcBef>
-              <a:buClr>
-                <a:srgbClr val="000000"/>
-              </a:buClr>
-              <a:buSzPct val="100000"/>
-              <a:defRPr sz="2600">
-                <a:latin typeface="Graphik"/>
-                <a:ea typeface="Graphik"/>
-                <a:cs typeface="Graphik"/>
-                <a:sym typeface="Graphik"/>
-              </a:defRPr>
-            </a:pPr>
-            <a:r>
-              <a:rPr dirty="0"/>
-              <a:t>2.88Mb Distributed RAM</a:t>
-            </a:r>
-          </a:p>
-          <a:p>
-            <a:pPr marL="372533" indent="-372533" defTabSz="2438400">
-              <a:spcBef>
-                <a:spcPts val="1600"/>
-              </a:spcBef>
-              <a:buClr>
-                <a:srgbClr val="000000"/>
-              </a:buClr>
-              <a:buSzPct val="100000"/>
-              <a:defRPr sz="2600">
-                <a:latin typeface="Graphik"/>
-                <a:ea typeface="Graphik"/>
-                <a:cs typeface="Graphik"/>
-                <a:sym typeface="Graphik"/>
-              </a:defRPr>
-            </a:pPr>
-            <a:r>
-              <a:rPr dirty="0"/>
-              <a:t>13.14Mb Block Ram</a:t>
-            </a:r>
-          </a:p>
-          <a:p>
-            <a:pPr marL="931333" lvl="1" indent="-372533" defTabSz="2438400">
-              <a:spcBef>
-                <a:spcPts val="1600"/>
-              </a:spcBef>
-              <a:buClr>
-                <a:srgbClr val="000000"/>
-              </a:buClr>
-              <a:buSzPct val="100000"/>
-              <a:buChar char="•"/>
-              <a:defRPr sz="2600">
-                <a:latin typeface="Graphik"/>
-                <a:ea typeface="Graphik"/>
-                <a:cs typeface="Graphik"/>
-                <a:sym typeface="Graphik"/>
-              </a:defRPr>
-            </a:pPr>
-            <a:r>
-              <a:rPr dirty="0"/>
-              <a:t>36Kb Dual Port BRAMs With FIFO &amp; ECC</a:t>
-            </a:r>
-          </a:p>
-          <a:p>
-            <a:pPr marL="372533" indent="-372533" defTabSz="2438400">
-              <a:spcBef>
-                <a:spcPts val="1600"/>
-              </a:spcBef>
-              <a:buClr>
-                <a:srgbClr val="000000"/>
-              </a:buClr>
-              <a:buSzPct val="100000"/>
-              <a:defRPr sz="2600">
-                <a:latin typeface="Graphik"/>
-                <a:ea typeface="Graphik"/>
-                <a:cs typeface="Graphik"/>
-                <a:sym typeface="Graphik"/>
-              </a:defRPr>
-            </a:pPr>
-            <a:r>
-              <a:rPr dirty="0"/>
-              <a:t>740 DSP48E1 Cores</a:t>
-            </a:r>
-          </a:p>
-          <a:p>
-            <a:pPr marL="931333" lvl="1" indent="-372533" defTabSz="2438400">
-              <a:spcBef>
-                <a:spcPts val="1600"/>
-              </a:spcBef>
-              <a:buClr>
-                <a:srgbClr val="000000"/>
-              </a:buClr>
-              <a:buSzPct val="100000"/>
-              <a:buChar char="•"/>
-              <a:defRPr sz="2600">
-                <a:latin typeface="Graphik"/>
-                <a:ea typeface="Graphik"/>
-                <a:cs typeface="Graphik"/>
-                <a:sym typeface="Graphik"/>
-              </a:defRPr>
-            </a:pPr>
-            <a:r>
-              <a:rPr dirty="0"/>
-              <a:t>25x18b two’s-complement Multiplier</a:t>
-            </a:r>
-          </a:p>
-          <a:p>
-            <a:pPr marL="931333" lvl="1" indent="-372533" defTabSz="2438400">
-              <a:spcBef>
-                <a:spcPts val="1600"/>
-              </a:spcBef>
-              <a:buClr>
-                <a:srgbClr val="000000"/>
-              </a:buClr>
-              <a:buSzPct val="100000"/>
-              <a:buChar char="•"/>
-              <a:defRPr sz="2600">
-                <a:latin typeface="Graphik"/>
-                <a:ea typeface="Graphik"/>
-                <a:cs typeface="Graphik"/>
-                <a:sym typeface="Graphik"/>
-              </a:defRPr>
-            </a:pPr>
-            <a:r>
-              <a:rPr dirty="0"/>
-              <a:t>48-b Accumulator</a:t>
-            </a:r>
-          </a:p>
-          <a:p>
-            <a:pPr marL="931333" lvl="1" indent="-372533" defTabSz="2438400">
-              <a:spcBef>
-                <a:spcPts val="1600"/>
-              </a:spcBef>
-              <a:buClr>
-                <a:srgbClr val="000000"/>
-              </a:buClr>
-              <a:buSzPct val="100000"/>
-              <a:buChar char="•"/>
-              <a:defRPr sz="2600">
-                <a:latin typeface="Graphik"/>
-                <a:ea typeface="Graphik"/>
-                <a:cs typeface="Graphik"/>
-                <a:sym typeface="Graphik"/>
-              </a:defRPr>
-            </a:pPr>
-            <a:r>
-              <a:rPr dirty="0"/>
-              <a:t>Add/Sub/Accumulate SIMD</a:t>
-            </a:r>
-          </a:p>
-          <a:p>
-            <a:pPr marL="1490133" lvl="2" indent="-372533" defTabSz="2438400">
-              <a:spcBef>
-                <a:spcPts val="1600"/>
-              </a:spcBef>
-              <a:buClr>
-                <a:srgbClr val="000000"/>
-              </a:buClr>
-              <a:buSzPct val="100000"/>
-              <a:buFontTx/>
-              <a:buChar char="•"/>
-              <a:defRPr sz="2600">
-                <a:latin typeface="Graphik"/>
-                <a:ea typeface="Graphik"/>
-                <a:cs typeface="Graphik"/>
-                <a:sym typeface="Graphik"/>
-              </a:defRPr>
-            </a:pPr>
-            <a:r>
-              <a:rPr dirty="0"/>
-              <a:t>Dual 24b or Quad 12b </a:t>
-            </a:r>
-            <a:r>
-              <a:rPr dirty="0" err="1"/>
-              <a:t>Add,Sub,Accumulate</a:t>
-            </a:r>
-            <a:endParaRPr dirty="0"/>
-          </a:p>
-          <a:p>
-            <a:pPr marL="931333" lvl="1" indent="-372533" defTabSz="2438400">
-              <a:spcBef>
-                <a:spcPts val="1600"/>
-              </a:spcBef>
-              <a:buClr>
-                <a:srgbClr val="000000"/>
-              </a:buClr>
-              <a:buSzPct val="100000"/>
-              <a:buChar char="•"/>
-              <a:defRPr sz="2600">
-                <a:latin typeface="Graphik"/>
-                <a:ea typeface="Graphik"/>
-                <a:cs typeface="Graphik"/>
-                <a:sym typeface="Graphik"/>
-              </a:defRPr>
-            </a:pPr>
-            <a:r>
-              <a:rPr dirty="0"/>
-              <a:t>ALU</a:t>
-            </a:r>
-          </a:p>
-          <a:p>
-            <a:pPr marL="1490133" lvl="2" indent="-372533" defTabSz="2438400">
-              <a:spcBef>
-                <a:spcPts val="1600"/>
-              </a:spcBef>
-              <a:buClr>
-                <a:srgbClr val="000000"/>
-              </a:buClr>
-              <a:buSzPct val="100000"/>
-              <a:buFontTx/>
-              <a:buChar char="•"/>
-              <a:defRPr sz="2600">
-                <a:latin typeface="Graphik"/>
-                <a:ea typeface="Graphik"/>
-                <a:cs typeface="Graphik"/>
-                <a:sym typeface="Graphik"/>
-              </a:defRPr>
-            </a:pPr>
-            <a:r>
-              <a:rPr dirty="0"/>
-              <a:t>AND, OR, NOT, NAD, NOR, XOR, XNOR</a:t>
-            </a:r>
-          </a:p>
-          <a:p>
-            <a:pPr marL="931333" lvl="1" indent="-372533" defTabSz="2438400">
-              <a:spcBef>
-                <a:spcPts val="1600"/>
-              </a:spcBef>
-              <a:buClr>
-                <a:srgbClr val="000000"/>
-              </a:buClr>
-              <a:buSzPct val="100000"/>
-              <a:buChar char="•"/>
-              <a:defRPr sz="2600">
-                <a:latin typeface="Graphik"/>
-                <a:ea typeface="Graphik"/>
-                <a:cs typeface="Graphik"/>
-                <a:sym typeface="Graphik"/>
-              </a:defRPr>
-            </a:pPr>
-            <a:r>
-              <a:rPr lang="en-US" dirty="0" err="1"/>
-              <a:t>Patern</a:t>
-            </a:r>
-            <a:r>
-              <a:rPr lang="en-US" dirty="0"/>
-              <a:t> Detector</a:t>
-            </a:r>
-          </a:p>
-          <a:p>
-            <a:pPr>
-              <a:buFont typeface="Arial" panose="020B0604020202020204" pitchFamily="34" charset="0"/>
-              <a:buChar char="•"/>
-            </a:pPr>
-            <a:r>
-              <a:rPr lang="en-US" sz="2600" dirty="0">
-                <a:solidFill>
-                  <a:srgbClr val="000000"/>
-                </a:solidFill>
-                <a:effectLst/>
-                <a:latin typeface="Graphik" panose="020B0503030202060203" pitchFamily="34" charset="77"/>
-              </a:rPr>
-              <a:t>12W Maximum Power Dissipation </a:t>
-            </a:r>
-          </a:p>
-          <a:p>
-            <a:pPr marL="742950" lvl="1" indent="-285750">
-              <a:buFont typeface="Arial" panose="020B0604020202020204" pitchFamily="34" charset="0"/>
-              <a:buChar char="•"/>
-            </a:pPr>
-            <a:r>
-              <a:rPr lang="en-US" sz="2600" dirty="0">
-                <a:solidFill>
-                  <a:srgbClr val="000000"/>
-                </a:solidFill>
-                <a:effectLst/>
-                <a:latin typeface="Graphik" panose="020B0503030202060203" pitchFamily="34" charset="77"/>
-              </a:rPr>
-              <a:t>10A on VCCINT (1V)</a:t>
-            </a:r>
-          </a:p>
-          <a:p>
-            <a:pPr marL="742950" lvl="1" indent="-285750">
-              <a:buFont typeface="Arial" panose="020B0604020202020204" pitchFamily="34" charset="0"/>
-              <a:buChar char="•"/>
-            </a:pPr>
-            <a:r>
-              <a:rPr lang="en-US" sz="2600" dirty="0">
-                <a:solidFill>
-                  <a:srgbClr val="000000"/>
-                </a:solidFill>
-                <a:effectLst/>
-                <a:latin typeface="Graphik" panose="020B0503030202060203" pitchFamily="34" charset="77"/>
-              </a:rPr>
-              <a:t>1A on VCCIO/VCCAUX (1V8)</a:t>
-            </a:r>
-          </a:p>
-          <a:p>
-            <a:pPr marL="558800" lvl="1" indent="0" defTabSz="2438400">
-              <a:spcBef>
-                <a:spcPts val="1600"/>
-              </a:spcBef>
-              <a:buClr>
-                <a:srgbClr val="000000"/>
-              </a:buClr>
-              <a:buSzPct val="100000"/>
-              <a:buNone/>
-              <a:defRPr sz="2600">
-                <a:latin typeface="Graphik"/>
-                <a:ea typeface="Graphik"/>
-                <a:cs typeface="Graphik"/>
-                <a:sym typeface="Graphik"/>
-              </a:defRPr>
-            </a:pPr>
-            <a:br>
-              <a:rPr lang="en-US" dirty="0"/>
-            </a:br>
-            <a:endParaRPr lang="en-US" dirty="0"/>
-          </a:p>
-        </p:txBody>
-      </p:sp>
-      <p:sp>
-        <p:nvSpPr>
-          <p:cNvPr id="310" name="DDR2 DRAM…"/>
-          <p:cNvSpPr txBox="1"/>
-          <p:nvPr/>
-        </p:nvSpPr>
-        <p:spPr>
-          <a:xfrm>
-            <a:off x="10524829" y="1416049"/>
-            <a:ext cx="11953437" cy="11509737"/>
-          </a:xfrm>
-          <a:prstGeom prst="rect">
-            <a:avLst/>
-          </a:prstGeom>
-          <a:ln w="12700">
-            <a:miter lim="400000"/>
-          </a:ln>
-          <a:extLst>
-            <a:ext uri="{C572A759-6A51-4108-AA02-DFA0A04FC94B}">
-              <ma14:wrappingTextBoxFlag xmlns:ma14="http://schemas.microsoft.com/office/mac/drawingml/2011/main" xmlns:a14="http://schemas.microsoft.com/office/drawing/2010/main" xmlns:m="http://schemas.openxmlformats.org/officeDocument/2006/math" xmlns="" val="1"/>
-            </a:ext>
-          </a:extLst>
-        </p:spPr>
-        <p:txBody>
-          <a:bodyPr lIns="0" tIns="0" rIns="0" bIns="0"/>
-          <a:lstStyle/>
-          <a:p>
-            <a:pPr>
-              <a:defRPr sz="2800" b="1"/>
-            </a:pPr>
-            <a:r>
-              <a:t>DDR2 DRAM </a:t>
-            </a:r>
-          </a:p>
-          <a:p>
-            <a:pPr marL="931333" lvl="1" indent="-372533">
-              <a:lnSpc>
-                <a:spcPct val="80000"/>
-              </a:lnSpc>
-              <a:spcBef>
-                <a:spcPts val="1600"/>
-              </a:spcBef>
-              <a:buClr>
-                <a:srgbClr val="000000"/>
-              </a:buClr>
-              <a:buSzPct val="100000"/>
-              <a:buChar char="•"/>
-              <a:defRPr sz="2600"/>
-            </a:pPr>
-            <a:r>
-              <a:t>MT47H64M16NF-25E IT:M</a:t>
-            </a:r>
-          </a:p>
-          <a:p>
-            <a:pPr marL="1490133" lvl="2" indent="-372533">
-              <a:lnSpc>
-                <a:spcPct val="80000"/>
-              </a:lnSpc>
-              <a:spcBef>
-                <a:spcPts val="1600"/>
-              </a:spcBef>
-              <a:buClr>
-                <a:srgbClr val="000000"/>
-              </a:buClr>
-              <a:buSzPct val="100000"/>
-              <a:buChar char="•"/>
-              <a:defRPr sz="2600"/>
-            </a:pPr>
-            <a:r>
-              <a:t>1Gb (64M x 16)</a:t>
-            </a:r>
-          </a:p>
-          <a:p>
-            <a:pPr marL="1490133" lvl="2" indent="-372533">
-              <a:lnSpc>
-                <a:spcPct val="80000"/>
-              </a:lnSpc>
-              <a:spcBef>
-                <a:spcPts val="1600"/>
-              </a:spcBef>
-              <a:buClr>
-                <a:srgbClr val="000000"/>
-              </a:buClr>
-              <a:buSzPct val="100000"/>
-              <a:buChar char="•"/>
-              <a:defRPr sz="2600"/>
-            </a:pPr>
-            <a:r>
-              <a:t>16b Data bus @ 400Mhz (800MT/s)</a:t>
-            </a:r>
-          </a:p>
-          <a:p>
-            <a:pPr marL="1490133" lvl="2" indent="-372533">
-              <a:lnSpc>
-                <a:spcPct val="80000"/>
-              </a:lnSpc>
-              <a:spcBef>
-                <a:spcPts val="1600"/>
-              </a:spcBef>
-              <a:buClr>
-                <a:srgbClr val="000000"/>
-              </a:buClr>
-              <a:buSzPct val="100000"/>
-              <a:buChar char="•"/>
-              <a:defRPr sz="2600"/>
-            </a:pPr>
-            <a:r>
-              <a:t>1.6GB/s or 12.8Gb/s data rate </a:t>
-            </a:r>
-            <a:r>
-              <a:rPr b="1"/>
-              <a:t>per chip</a:t>
-            </a:r>
-          </a:p>
-          <a:p>
-            <a:pPr marL="372533" indent="-372533">
-              <a:lnSpc>
-                <a:spcPct val="80000"/>
-              </a:lnSpc>
-              <a:spcBef>
-                <a:spcPts val="1600"/>
-              </a:spcBef>
-              <a:buClr>
-                <a:srgbClr val="000000"/>
-              </a:buClr>
-              <a:buSzPct val="100000"/>
-              <a:buChar char="•"/>
-              <a:defRPr sz="2600"/>
-            </a:pPr>
-            <a:r>
-              <a:rPr b="1"/>
-              <a:t>Two Chips total</a:t>
-            </a:r>
-          </a:p>
-          <a:p>
-            <a:pPr marL="931333" lvl="1" indent="-372533">
-              <a:lnSpc>
-                <a:spcPct val="80000"/>
-              </a:lnSpc>
-              <a:spcBef>
-                <a:spcPts val="1600"/>
-              </a:spcBef>
-              <a:buClr>
-                <a:srgbClr val="000000"/>
-              </a:buClr>
-              <a:buSzPct val="100000"/>
-              <a:buChar char="•"/>
-              <a:defRPr sz="2600"/>
-            </a:pPr>
-            <a:r>
-              <a:t>2Gb total</a:t>
-            </a:r>
-          </a:p>
-          <a:p>
-            <a:pPr marL="931333" lvl="1" indent="-372533">
-              <a:lnSpc>
-                <a:spcPct val="80000"/>
-              </a:lnSpc>
-              <a:spcBef>
-                <a:spcPts val="1600"/>
-              </a:spcBef>
-              <a:buClr>
-                <a:srgbClr val="000000"/>
-              </a:buClr>
-              <a:buSzPct val="100000"/>
-              <a:buChar char="•"/>
-              <a:defRPr sz="2600"/>
-            </a:pPr>
-            <a:r>
-              <a:t>3.2GB/s (25.6Gb/s) Uni-directional or 1.6GB/s (12.8Gb/s) bi-directional</a:t>
-            </a:r>
-          </a:p>
-          <a:p>
-            <a:pPr marL="372533" indent="-372533">
-              <a:lnSpc>
-                <a:spcPct val="80000"/>
-              </a:lnSpc>
-              <a:spcBef>
-                <a:spcPts val="1600"/>
-              </a:spcBef>
-              <a:buClr>
-                <a:srgbClr val="000000"/>
-              </a:buClr>
-              <a:buSzPct val="100000"/>
-              <a:buChar char="•"/>
-              <a:defRPr sz="2600"/>
-            </a:pPr>
-            <a:r>
-              <a:t>Separate DDR Controllers (One per chip)</a:t>
-            </a:r>
-          </a:p>
-          <a:p>
-            <a:pPr marL="931333" lvl="1" indent="-372533">
-              <a:lnSpc>
-                <a:spcPct val="80000"/>
-              </a:lnSpc>
-              <a:spcBef>
-                <a:spcPts val="1600"/>
-              </a:spcBef>
-              <a:buClr>
-                <a:srgbClr val="000000"/>
-              </a:buClr>
-              <a:buSzPct val="100000"/>
-              <a:buChar char="•"/>
-              <a:defRPr sz="2600"/>
-            </a:pPr>
-            <a:endParaRPr/>
           </a:p>
         </p:txBody>
       </p:sp>

--- a/Hardware/Diagrams/DICE Theory of Operation Slides.pptx
+++ b/Hardware/Diagrams/DICE Theory of Operation Slides.pptx
@@ -4123,7 +4123,7 @@
           </a:ln>
           <a:extLst>
             <a:ext uri="{C572A759-6A51-4108-AA02-DFA0A04FC94B}">
-              <ma14:wrappingTextBoxFlag xmlns="" xmlns:m="http://schemas.openxmlformats.org/officeDocument/2006/math" xmlns:a14="http://schemas.microsoft.com/office/drawing/2010/main" xmlns:ma14="http://schemas.microsoft.com/office/mac/drawingml/2011/main" val="1"/>
+              <ma14:wrappingTextBoxFlag xmlns:ma14="http://schemas.microsoft.com/office/mac/drawingml/2011/main" xmlns:a14="http://schemas.microsoft.com/office/drawing/2010/main" xmlns:m="http://schemas.openxmlformats.org/officeDocument/2006/math" xmlns="" val="1"/>
             </a:ext>
           </a:extLst>
         </p:spPr>
@@ -4162,7 +4162,7 @@
           </a:ln>
           <a:extLst>
             <a:ext uri="{C572A759-6A51-4108-AA02-DFA0A04FC94B}">
-              <ma14:wrappingTextBoxFlag xmlns="" xmlns:m="http://schemas.openxmlformats.org/officeDocument/2006/math" xmlns:a14="http://schemas.microsoft.com/office/drawing/2010/main" xmlns:ma14="http://schemas.microsoft.com/office/mac/drawingml/2011/main" val="1"/>
+              <ma14:wrappingTextBoxFlag xmlns:ma14="http://schemas.microsoft.com/office/mac/drawingml/2011/main" xmlns:a14="http://schemas.microsoft.com/office/drawing/2010/main" xmlns:m="http://schemas.openxmlformats.org/officeDocument/2006/math" xmlns="" val="1"/>
             </a:ext>
           </a:extLst>
         </p:spPr>
@@ -5066,7 +5066,7 @@
           </a:prstGeom>
           <a:extLst>
             <a:ext uri="{C572A759-6A51-4108-AA02-DFA0A04FC94B}">
-              <ma14:wrappingTextBoxFlag xmlns="" xmlns:m="http://schemas.openxmlformats.org/officeDocument/2006/math" xmlns:a14="http://schemas.microsoft.com/office/drawing/2010/main" xmlns:ma14="http://schemas.microsoft.com/office/mac/drawingml/2011/main" val="1"/>
+              <ma14:wrappingTextBoxFlag xmlns:ma14="http://schemas.microsoft.com/office/mac/drawingml/2011/main" xmlns:a14="http://schemas.microsoft.com/office/drawing/2010/main" xmlns:m="http://schemas.openxmlformats.org/officeDocument/2006/math" xmlns="" val="1"/>
             </a:ext>
           </a:extLst>
         </p:spPr>
@@ -5225,7 +5225,7 @@
           </a:prstGeom>
           <a:extLst>
             <a:ext uri="{C572A759-6A51-4108-AA02-DFA0A04FC94B}">
-              <ma14:wrappingTextBoxFlag xmlns="" xmlns:m="http://schemas.openxmlformats.org/officeDocument/2006/math" xmlns:a14="http://schemas.microsoft.com/office/drawing/2010/main" xmlns:ma14="http://schemas.microsoft.com/office/mac/drawingml/2011/main" val="1"/>
+              <ma14:wrappingTextBoxFlag xmlns:ma14="http://schemas.microsoft.com/office/mac/drawingml/2011/main" xmlns:a14="http://schemas.microsoft.com/office/drawing/2010/main" xmlns:m="http://schemas.openxmlformats.org/officeDocument/2006/math" xmlns="" val="1"/>
             </a:ext>
           </a:extLst>
         </p:spPr>
@@ -5281,8 +5281,12 @@
               </a:defRPr>
             </a:pPr>
             <a:r>
+              <a:rPr lang="en-US" dirty="0"/>
+              <a:t>XC7K160T</a:t>
+            </a:r>
+            <a:r>
               <a:rPr dirty="0"/>
-              <a:t>XC7A200T FPGA</a:t>
+              <a:t> FPGA</a:t>
             </a:r>
           </a:p>
           <a:p>
@@ -5302,8 +5306,12 @@
               </a:defRPr>
             </a:pPr>
             <a:r>
+              <a:rPr lang="en-US" dirty="0"/>
+              <a:t>162,240</a:t>
+            </a:r>
+            <a:r>
               <a:rPr dirty="0"/>
-              <a:t>215,360 Logic Cells</a:t>
+              <a:t> Logic Cells</a:t>
             </a:r>
           </a:p>
           <a:p>
@@ -5324,8 +5332,12 @@
               </a:defRPr>
             </a:pPr>
             <a:r>
+              <a:rPr lang="en-US" dirty="0"/>
+              <a:t>25,350</a:t>
+            </a:r>
+            <a:r>
               <a:rPr dirty="0"/>
-              <a:t>33,650 Logic Slices</a:t>
+              <a:t> Logic Slices</a:t>
             </a:r>
           </a:p>
           <a:p>
@@ -5345,8 +5357,12 @@
               </a:defRPr>
             </a:pPr>
             <a:r>
+              <a:rPr lang="en-US" dirty="0"/>
+              <a:t>2.18Mb</a:t>
+            </a:r>
+            <a:r>
               <a:rPr dirty="0"/>
-              <a:t>2.88Mb Distributed RAM</a:t>
+              <a:t> Distributed RAM</a:t>
             </a:r>
           </a:p>
           <a:p>
@@ -5366,8 +5382,12 @@
               </a:defRPr>
             </a:pPr>
             <a:r>
+              <a:rPr lang="en-US" dirty="0"/>
+              <a:t>11.7Mb</a:t>
+            </a:r>
+            <a:r>
               <a:rPr dirty="0"/>
-              <a:t>13.14Mb Block Ram</a:t>
+              <a:t> Block Ram</a:t>
             </a:r>
           </a:p>
           <a:p>
@@ -5409,8 +5429,12 @@
               </a:defRPr>
             </a:pPr>
             <a:r>
+              <a:rPr lang="en-US" dirty="0"/>
+              <a:t>600</a:t>
+            </a:r>
+            <a:r>
               <a:rPr dirty="0"/>
-              <a:t>740 DSP48E1 Cores</a:t>
+              <a:t> DSP48E1 Cores</a:t>
             </a:r>
           </a:p>
           <a:p>
@@ -5591,7 +5615,7 @@
                 <a:effectLst/>
                 <a:latin typeface="Graphik" panose="020B0503030202060203" pitchFamily="34" charset="77"/>
               </a:rPr>
-              <a:t>12W Maximum Power Dissipation </a:t>
+              <a:t>25W Maximum Power Dissipation </a:t>
             </a:r>
           </a:p>
           <a:p>
@@ -5607,7 +5631,7 @@
                 <a:effectLst/>
                 <a:latin typeface="Graphik" panose="020B0503030202060203" pitchFamily="34" charset="77"/>
               </a:rPr>
-              <a:t>10A on VCCINT (1V)</a:t>
+              <a:t>20A on VCCINT (1V)</a:t>
             </a:r>
           </a:p>
           <a:p>
@@ -5615,6 +5639,12 @@
               <a:buFont typeface="Arial" panose="020B0604020202020204" pitchFamily="34" charset="0"/>
               <a:buChar char="•"/>
             </a:pPr>
+            <a:r>
+              <a:rPr lang="en-US" sz="2600" dirty="0">
+                <a:latin typeface="Graphik" panose="020B0503030202060203" pitchFamily="34" charset="77"/>
+              </a:rPr>
+              <a:t>2</a:t>
+            </a:r>
             <a:r>
               <a:rPr lang="en-US" sz="2600" dirty="0">
                 <a:solidFill>
@@ -5623,7 +5653,7 @@
                 <a:effectLst/>
                 <a:latin typeface="Graphik" panose="020B0503030202060203" pitchFamily="34" charset="77"/>
               </a:rPr>
-              <a:t>1A on VCCIO/VCCAUX (1V8)</a:t>
+              <a:t>A on VCCIO/VCCAUX (1V8)</a:t>
             </a:r>
           </a:p>
           <a:p>
@@ -5669,7 +5699,7 @@
           </a:ln>
           <a:extLst>
             <a:ext uri="{C572A759-6A51-4108-AA02-DFA0A04FC94B}">
-              <ma14:wrappingTextBoxFlag xmlns="" xmlns:m="http://schemas.openxmlformats.org/officeDocument/2006/math" xmlns:a14="http://schemas.microsoft.com/office/drawing/2010/main" xmlns:ma14="http://schemas.microsoft.com/office/mac/drawingml/2011/main" val="1"/>
+              <ma14:wrappingTextBoxFlag xmlns:ma14="http://schemas.microsoft.com/office/mac/drawingml/2011/main" xmlns:a14="http://schemas.microsoft.com/office/drawing/2010/main" xmlns:m="http://schemas.openxmlformats.org/officeDocument/2006/math" xmlns="" val="1"/>
             </a:ext>
           </a:extLst>
         </p:spPr>
@@ -5681,7 +5711,16 @@
               <a:defRPr sz="2800" b="1"/>
             </a:pPr>
             <a:r>
-              <a:t>DDR2 DRAM </a:t>
+              <a:rPr dirty="0"/>
+              <a:t>DDR</a:t>
+            </a:r>
+            <a:r>
+              <a:rPr lang="en-US" dirty="0"/>
+              <a:t>3</a:t>
+            </a:r>
+            <a:r>
+              <a:rPr dirty="0"/>
+              <a:t> DRAM </a:t>
             </a:r>
           </a:p>
           <a:p>
@@ -5700,7 +5739,40 @@
               <a:defRPr sz="2600"/>
             </a:pPr>
             <a:r>
-              <a:t>MT47H64M16NF-25E IT:M</a:t>
+              <a:rPr lang="en-US" dirty="0"/>
+              <a:t>MT41J128M16JT-125:K TR</a:t>
+            </a:r>
+          </a:p>
+          <a:p>
+            <a:pPr marL="931333" lvl="1" indent="-372533">
+              <a:lnSpc>
+                <a:spcPct val="80000"/>
+              </a:lnSpc>
+              <a:spcBef>
+                <a:spcPts val="1600"/>
+              </a:spcBef>
+              <a:buClr>
+                <a:srgbClr val="000000"/>
+              </a:buClr>
+              <a:buSzPct val="100000"/>
+              <a:buChar char="•"/>
+              <a:defRPr sz="2600"/>
+            </a:pPr>
+            <a:r>
+              <a:rPr lang="en-US" dirty="0"/>
+              <a:t>2</a:t>
+            </a:r>
+            <a:r>
+              <a:rPr dirty="0"/>
+              <a:t>Gb (</a:t>
+            </a:r>
+            <a:r>
+              <a:rPr lang="en-US" dirty="0"/>
+              <a:t>128</a:t>
+            </a:r>
+            <a:r>
+              <a:rPr dirty="0"/>
+              <a:t>M x 16)</a:t>
             </a:r>
           </a:p>
           <a:p>
@@ -5719,7 +5791,24 @@
               <a:defRPr sz="2600"/>
             </a:pPr>
             <a:r>
-              <a:t>1Gb (64M x 16)</a:t>
+              <a:rPr dirty="0"/>
+              <a:t>16b Data bus @ </a:t>
+            </a:r>
+            <a:r>
+              <a:rPr lang="en-US" dirty="0"/>
+              <a:t>8</a:t>
+            </a:r>
+            <a:r>
+              <a:rPr dirty="0"/>
+              <a:t>00Mhz (</a:t>
+            </a:r>
+            <a:r>
+              <a:rPr lang="en-US" dirty="0"/>
+              <a:t>16</a:t>
+            </a:r>
+            <a:r>
+              <a:rPr dirty="0"/>
+              <a:t>00MT/s)</a:t>
             </a:r>
           </a:p>
           <a:p>
@@ -5738,29 +5827,23 @@
               <a:defRPr sz="2600"/>
             </a:pPr>
             <a:r>
-              <a:t>16b Data bus @ 400Mhz (800MT/s)</a:t>
-            </a:r>
-          </a:p>
-          <a:p>
-            <a:pPr marL="1490133" lvl="2" indent="-372533">
-              <a:lnSpc>
-                <a:spcPct val="80000"/>
-              </a:lnSpc>
-              <a:spcBef>
-                <a:spcPts val="1600"/>
-              </a:spcBef>
-              <a:buClr>
-                <a:srgbClr val="000000"/>
-              </a:buClr>
-              <a:buSzPct val="100000"/>
-              <a:buChar char="•"/>
-              <a:defRPr sz="2600"/>
-            </a:pPr>
-            <a:r>
-              <a:t>1.6GB/s or 12.8Gb/s data rate </a:t>
-            </a:r>
-            <a:r>
-              <a:rPr b="1"/>
+              <a:rPr lang="en-US" dirty="0"/>
+              <a:t>3.2</a:t>
+            </a:r>
+            <a:r>
+              <a:rPr dirty="0"/>
+              <a:t>GB/s or </a:t>
+            </a:r>
+            <a:r>
+              <a:rPr lang="en-US" dirty="0"/>
+              <a:t>25.6</a:t>
+            </a:r>
+            <a:r>
+              <a:rPr dirty="0"/>
+              <a:t>Gb/s data rate </a:t>
+            </a:r>
+            <a:r>
+              <a:rPr b="1" dirty="0"/>
               <a:t>per chip</a:t>
             </a:r>
           </a:p>
@@ -5780,7 +5863,7 @@
               <a:defRPr sz="2600"/>
             </a:pPr>
             <a:r>
-              <a:rPr b="1"/>
+              <a:rPr b="1" dirty="0"/>
               <a:t>Two Chips total</a:t>
             </a:r>
           </a:p>
@@ -5800,7 +5883,12 @@
               <a:defRPr sz="2600"/>
             </a:pPr>
             <a:r>
-              <a:t>2Gb total</a:t>
+              <a:rPr lang="en-US" dirty="0"/>
+              <a:t>4</a:t>
+            </a:r>
+            <a:r>
+              <a:rPr dirty="0"/>
+              <a:t>Gb total</a:t>
             </a:r>
           </a:p>
           <a:p>
@@ -5819,7 +5907,36 @@
               <a:defRPr sz="2600"/>
             </a:pPr>
             <a:r>
-              <a:t>3.2GB/s (25.6Gb/s) Uni-directional or 1.6GB/s (12.8Gb/s) bi-directional</a:t>
+              <a:rPr lang="en-US" dirty="0"/>
+              <a:t>6.4</a:t>
+            </a:r>
+            <a:r>
+              <a:rPr dirty="0"/>
+              <a:t>GB/s (</a:t>
+            </a:r>
+            <a:r>
+              <a:rPr lang="en-US" dirty="0"/>
+              <a:t>51.2</a:t>
+            </a:r>
+            <a:r>
+              <a:rPr dirty="0"/>
+              <a:t>Gb/s) Uni-directional or </a:t>
+            </a:r>
+            <a:r>
+              <a:rPr lang="en-US" dirty="0"/>
+              <a:t>3.2</a:t>
+            </a:r>
+            <a:r>
+              <a:rPr dirty="0"/>
+              <a:t>GB/s (</a:t>
+            </a:r>
+            <a:r>
+              <a:rPr lang="en-US" dirty="0"/>
+              <a:t>25.6</a:t>
+            </a:r>
+            <a:r>
+              <a:rPr dirty="0"/>
+              <a:t>Gb/s) bi-directional</a:t>
             </a:r>
           </a:p>
           <a:p>
@@ -5838,6 +5955,7 @@
               <a:defRPr sz="2600"/>
             </a:pPr>
             <a:r>
+              <a:rPr dirty="0"/>
               <a:t>Separate DDR Controllers (One per chip)</a:t>
             </a:r>
           </a:p>
@@ -5856,7 +5974,7 @@
               <a:buChar char="•"/>
               <a:defRPr sz="2600"/>
             </a:pPr>
-            <a:endParaRPr/>
+            <a:endParaRPr dirty="0"/>
           </a:p>
         </p:txBody>
       </p:sp>
@@ -6108,7 +6226,7 @@
           </a:prstGeom>
           <a:extLst>
             <a:ext uri="{C572A759-6A51-4108-AA02-DFA0A04FC94B}">
-              <ma14:wrappingTextBoxFlag xmlns:ma14="http://schemas.microsoft.com/office/mac/drawingml/2011/main" xmlns:a14="http://schemas.microsoft.com/office/drawing/2010/main" xmlns:m="http://schemas.openxmlformats.org/officeDocument/2006/math" xmlns="" val="1"/>
+              <ma14:wrappingTextBoxFlag xmlns="" xmlns:m="http://schemas.openxmlformats.org/officeDocument/2006/math" xmlns:a14="http://schemas.microsoft.com/office/drawing/2010/main" xmlns:ma14="http://schemas.microsoft.com/office/mac/drawingml/2011/main" val="1"/>
             </a:ext>
           </a:extLst>
         </p:spPr>
@@ -6550,7 +6668,7 @@
           </a:prstGeom>
           <a:extLst>
             <a:ext uri="{C572A759-6A51-4108-AA02-DFA0A04FC94B}">
-              <ma14:wrappingTextBoxFlag xmlns="" xmlns:m="http://schemas.openxmlformats.org/officeDocument/2006/math" xmlns:a14="http://schemas.microsoft.com/office/drawing/2010/main" xmlns:ma14="http://schemas.microsoft.com/office/mac/drawingml/2011/main" val="1"/>
+              <ma14:wrappingTextBoxFlag xmlns:ma14="http://schemas.microsoft.com/office/mac/drawingml/2011/main" xmlns:a14="http://schemas.microsoft.com/office/drawing/2010/main" xmlns:m="http://schemas.openxmlformats.org/officeDocument/2006/math" xmlns="" val="1"/>
             </a:ext>
           </a:extLst>
         </p:spPr>
@@ -6755,7 +6873,7 @@
             <a:effectLst/>
             <a:extLst>
               <a:ext uri="{C572A759-6A51-4108-AA02-DFA0A04FC94B}">
-                <ma14:wrappingTextBoxFlag xmlns="" xmlns:m="http://schemas.openxmlformats.org/officeDocument/2006/math" xmlns:a14="http://schemas.microsoft.com/office/drawing/2010/main" xmlns:ma14="http://schemas.microsoft.com/office/mac/drawingml/2011/main" val="1"/>
+                <ma14:wrappingTextBoxFlag xmlns:ma14="http://schemas.microsoft.com/office/mac/drawingml/2011/main" xmlns:a14="http://schemas.microsoft.com/office/drawing/2010/main" xmlns:m="http://schemas.openxmlformats.org/officeDocument/2006/math" xmlns="" val="1"/>
               </a:ext>
             </a:extLst>
           </p:spPr>
@@ -6852,7 +6970,7 @@
             <a:effectLst/>
             <a:extLst>
               <a:ext uri="{C572A759-6A51-4108-AA02-DFA0A04FC94B}">
-                <ma14:wrappingTextBoxFlag xmlns="" xmlns:m="http://schemas.openxmlformats.org/officeDocument/2006/math" xmlns:a14="http://schemas.microsoft.com/office/drawing/2010/main" xmlns:ma14="http://schemas.microsoft.com/office/mac/drawingml/2011/main" val="1"/>
+                <ma14:wrappingTextBoxFlag xmlns:ma14="http://schemas.microsoft.com/office/mac/drawingml/2011/main" xmlns:a14="http://schemas.microsoft.com/office/drawing/2010/main" xmlns:m="http://schemas.openxmlformats.org/officeDocument/2006/math" xmlns="" val="1"/>
               </a:ext>
             </a:extLst>
           </p:spPr>
@@ -7023,7 +7141,7 @@
           </a:prstGeom>
           <a:extLst>
             <a:ext uri="{C572A759-6A51-4108-AA02-DFA0A04FC94B}">
-              <ma14:wrappingTextBoxFlag xmlns="" xmlns:m="http://schemas.openxmlformats.org/officeDocument/2006/math" xmlns:a14="http://schemas.microsoft.com/office/drawing/2010/main" xmlns:ma14="http://schemas.microsoft.com/office/mac/drawingml/2011/main" val="1"/>
+              <ma14:wrappingTextBoxFlag xmlns:ma14="http://schemas.microsoft.com/office/mac/drawingml/2011/main" xmlns:a14="http://schemas.microsoft.com/office/drawing/2010/main" xmlns:m="http://schemas.openxmlformats.org/officeDocument/2006/math" xmlns="" val="1"/>
             </a:ext>
           </a:extLst>
         </p:spPr>
@@ -7282,7 +7400,7 @@
             <a:effectLst/>
             <a:extLst>
               <a:ext uri="{C572A759-6A51-4108-AA02-DFA0A04FC94B}">
-                <ma14:wrappingTextBoxFlag xmlns="" xmlns:m="http://schemas.openxmlformats.org/officeDocument/2006/math" xmlns:a14="http://schemas.microsoft.com/office/drawing/2010/main" xmlns:ma14="http://schemas.microsoft.com/office/mac/drawingml/2011/main" val="1"/>
+                <ma14:wrappingTextBoxFlag xmlns:ma14="http://schemas.microsoft.com/office/mac/drawingml/2011/main" xmlns:a14="http://schemas.microsoft.com/office/drawing/2010/main" xmlns:m="http://schemas.openxmlformats.org/officeDocument/2006/math" xmlns="" val="1"/>
               </a:ext>
             </a:extLst>
           </p:spPr>
@@ -8091,7 +8209,7 @@
             <a:effectLst/>
             <a:extLst>
               <a:ext uri="{C572A759-6A51-4108-AA02-DFA0A04FC94B}">
-                <ma14:wrappingTextBoxFlag xmlns="" xmlns:m="http://schemas.openxmlformats.org/officeDocument/2006/math" xmlns:a14="http://schemas.microsoft.com/office/drawing/2010/main" xmlns:ma14="http://schemas.microsoft.com/office/mac/drawingml/2011/main" val="1"/>
+                <ma14:wrappingTextBoxFlag xmlns:ma14="http://schemas.microsoft.com/office/mac/drawingml/2011/main" xmlns:a14="http://schemas.microsoft.com/office/drawing/2010/main" xmlns:m="http://schemas.openxmlformats.org/officeDocument/2006/math" xmlns="" val="1"/>
               </a:ext>
             </a:extLst>
           </p:spPr>
@@ -8173,7 +8291,7 @@
             <a:effectLst/>
             <a:extLst>
               <a:ext uri="{C572A759-6A51-4108-AA02-DFA0A04FC94B}">
-                <ma14:wrappingTextBoxFlag xmlns="" xmlns:m="http://schemas.openxmlformats.org/officeDocument/2006/math" xmlns:a14="http://schemas.microsoft.com/office/drawing/2010/main" xmlns:ma14="http://schemas.microsoft.com/office/mac/drawingml/2011/main" val="1"/>
+                <ma14:wrappingTextBoxFlag xmlns:ma14="http://schemas.microsoft.com/office/mac/drawingml/2011/main" xmlns:a14="http://schemas.microsoft.com/office/drawing/2010/main" xmlns:m="http://schemas.openxmlformats.org/officeDocument/2006/math" xmlns="" val="1"/>
               </a:ext>
             </a:extLst>
           </p:spPr>
@@ -9018,7 +9136,7 @@
           </a:prstGeom>
           <a:extLst>
             <a:ext uri="{C572A759-6A51-4108-AA02-DFA0A04FC94B}">
-              <ma14:wrappingTextBoxFlag xmlns="" xmlns:m="http://schemas.openxmlformats.org/officeDocument/2006/math" xmlns:a14="http://schemas.microsoft.com/office/drawing/2010/main" xmlns:ma14="http://schemas.microsoft.com/office/mac/drawingml/2011/main" val="1"/>
+              <ma14:wrappingTextBoxFlag xmlns:ma14="http://schemas.microsoft.com/office/mac/drawingml/2011/main" xmlns:a14="http://schemas.microsoft.com/office/drawing/2010/main" xmlns:m="http://schemas.openxmlformats.org/officeDocument/2006/math" xmlns="" val="1"/>
             </a:ext>
           </a:extLst>
         </p:spPr>
@@ -9072,7 +9190,7 @@
             <a:effectLst/>
             <a:extLst>
               <a:ext uri="{C572A759-6A51-4108-AA02-DFA0A04FC94B}">
-                <ma14:wrappingTextBoxFlag xmlns="" xmlns:m="http://schemas.openxmlformats.org/officeDocument/2006/math" xmlns:a14="http://schemas.microsoft.com/office/drawing/2010/main" xmlns:ma14="http://schemas.microsoft.com/office/mac/drawingml/2011/main" val="1"/>
+                <ma14:wrappingTextBoxFlag xmlns:ma14="http://schemas.microsoft.com/office/mac/drawingml/2011/main" xmlns:a14="http://schemas.microsoft.com/office/drawing/2010/main" xmlns:m="http://schemas.openxmlformats.org/officeDocument/2006/math" xmlns="" val="1"/>
               </a:ext>
             </a:extLst>
           </p:spPr>
@@ -9992,7 +10110,7 @@
           </a:ln>
           <a:extLst>
             <a:ext uri="{C572A759-6A51-4108-AA02-DFA0A04FC94B}">
-              <ma14:wrappingTextBoxFlag xmlns="" xmlns:m="http://schemas.openxmlformats.org/officeDocument/2006/math" xmlns:a14="http://schemas.microsoft.com/office/drawing/2010/main" xmlns:ma14="http://schemas.microsoft.com/office/mac/drawingml/2011/main" val="1"/>
+              <ma14:wrappingTextBoxFlag xmlns:ma14="http://schemas.microsoft.com/office/mac/drawingml/2011/main" xmlns:a14="http://schemas.microsoft.com/office/drawing/2010/main" xmlns:m="http://schemas.openxmlformats.org/officeDocument/2006/math" xmlns="" val="1"/>
             </a:ext>
           </a:extLst>
         </p:spPr>
@@ -10176,7 +10294,7 @@
             <a:effectLst/>
             <a:extLst>
               <a:ext uri="{C572A759-6A51-4108-AA02-DFA0A04FC94B}">
-                <ma14:wrappingTextBoxFlag xmlns="" xmlns:m="http://schemas.openxmlformats.org/officeDocument/2006/math" xmlns:a14="http://schemas.microsoft.com/office/drawing/2010/main" xmlns:ma14="http://schemas.microsoft.com/office/mac/drawingml/2011/main" val="1"/>
+                <ma14:wrappingTextBoxFlag xmlns:ma14="http://schemas.microsoft.com/office/mac/drawingml/2011/main" xmlns:a14="http://schemas.microsoft.com/office/drawing/2010/main" xmlns:m="http://schemas.openxmlformats.org/officeDocument/2006/math" xmlns="" val="1"/>
               </a:ext>
             </a:extLst>
           </p:spPr>
@@ -10258,7 +10376,7 @@
             <a:effectLst/>
             <a:extLst>
               <a:ext uri="{C572A759-6A51-4108-AA02-DFA0A04FC94B}">
-                <ma14:wrappingTextBoxFlag xmlns="" xmlns:m="http://schemas.openxmlformats.org/officeDocument/2006/math" xmlns:a14="http://schemas.microsoft.com/office/drawing/2010/main" xmlns:ma14="http://schemas.microsoft.com/office/mac/drawingml/2011/main" val="1"/>
+                <ma14:wrappingTextBoxFlag xmlns:ma14="http://schemas.microsoft.com/office/mac/drawingml/2011/main" xmlns:a14="http://schemas.microsoft.com/office/drawing/2010/main" xmlns:m="http://schemas.openxmlformats.org/officeDocument/2006/math" xmlns="" val="1"/>
               </a:ext>
             </a:extLst>
           </p:spPr>
@@ -11380,7 +11498,7 @@
             <a:effectLst/>
             <a:extLst>
               <a:ext uri="{C572A759-6A51-4108-AA02-DFA0A04FC94B}">
-                <ma14:wrappingTextBoxFlag xmlns="" xmlns:m="http://schemas.openxmlformats.org/officeDocument/2006/math" xmlns:a14="http://schemas.microsoft.com/office/drawing/2010/main" xmlns:ma14="http://schemas.microsoft.com/office/mac/drawingml/2011/main" val="1"/>
+                <ma14:wrappingTextBoxFlag xmlns:ma14="http://schemas.microsoft.com/office/mac/drawingml/2011/main" xmlns:a14="http://schemas.microsoft.com/office/drawing/2010/main" xmlns:m="http://schemas.openxmlformats.org/officeDocument/2006/math" xmlns="" val="1"/>
               </a:ext>
             </a:extLst>
           </p:spPr>
@@ -12555,7 +12673,7 @@
             <a:effectLst/>
             <a:extLst>
               <a:ext uri="{C572A759-6A51-4108-AA02-DFA0A04FC94B}">
-                <ma14:wrappingTextBoxFlag xmlns="" xmlns:m="http://schemas.openxmlformats.org/officeDocument/2006/math" xmlns:a14="http://schemas.microsoft.com/office/drawing/2010/main" xmlns:ma14="http://schemas.microsoft.com/office/mac/drawingml/2011/main" val="1"/>
+                <ma14:wrappingTextBoxFlag xmlns:ma14="http://schemas.microsoft.com/office/mac/drawingml/2011/main" xmlns:a14="http://schemas.microsoft.com/office/drawing/2010/main" xmlns:m="http://schemas.openxmlformats.org/officeDocument/2006/math" xmlns="" val="1"/>
               </a:ext>
             </a:extLst>
           </p:spPr>
@@ -12637,7 +12755,7 @@
             <a:effectLst/>
             <a:extLst>
               <a:ext uri="{C572A759-6A51-4108-AA02-DFA0A04FC94B}">
-                <ma14:wrappingTextBoxFlag xmlns="" xmlns:m="http://schemas.openxmlformats.org/officeDocument/2006/math" xmlns:a14="http://schemas.microsoft.com/office/drawing/2010/main" xmlns:ma14="http://schemas.microsoft.com/office/mac/drawingml/2011/main" val="1"/>
+                <ma14:wrappingTextBoxFlag xmlns:ma14="http://schemas.microsoft.com/office/mac/drawingml/2011/main" xmlns:a14="http://schemas.microsoft.com/office/drawing/2010/main" xmlns:m="http://schemas.openxmlformats.org/officeDocument/2006/math" xmlns="" val="1"/>
               </a:ext>
             </a:extLst>
           </p:spPr>
@@ -13089,7 +13207,7 @@
           </a:ln>
           <a:extLst>
             <a:ext uri="{C572A759-6A51-4108-AA02-DFA0A04FC94B}">
-              <ma14:wrappingTextBoxFlag xmlns="" xmlns:m="http://schemas.openxmlformats.org/officeDocument/2006/math" xmlns:a14="http://schemas.microsoft.com/office/drawing/2010/main" xmlns:ma14="http://schemas.microsoft.com/office/mac/drawingml/2011/main" val="1"/>
+              <ma14:wrappingTextBoxFlag xmlns:ma14="http://schemas.microsoft.com/office/mac/drawingml/2011/main" xmlns:a14="http://schemas.microsoft.com/office/drawing/2010/main" xmlns:m="http://schemas.openxmlformats.org/officeDocument/2006/math" xmlns="" val="1"/>
             </a:ext>
           </a:extLst>
         </p:spPr>
@@ -13304,7 +13422,7 @@
           </a:ln>
           <a:extLst>
             <a:ext uri="{C572A759-6A51-4108-AA02-DFA0A04FC94B}">
-              <ma14:wrappingTextBoxFlag xmlns="" xmlns:m="http://schemas.openxmlformats.org/officeDocument/2006/math" xmlns:a14="http://schemas.microsoft.com/office/drawing/2010/main" xmlns:ma14="http://schemas.microsoft.com/office/mac/drawingml/2011/main" val="1"/>
+              <ma14:wrappingTextBoxFlag xmlns:ma14="http://schemas.microsoft.com/office/mac/drawingml/2011/main" xmlns:a14="http://schemas.microsoft.com/office/drawing/2010/main" xmlns:m="http://schemas.openxmlformats.org/officeDocument/2006/math" xmlns="" val="1"/>
             </a:ext>
           </a:extLst>
         </p:spPr>
@@ -13437,7 +13555,7 @@
           </a:prstGeom>
           <a:extLst>
             <a:ext uri="{C572A759-6A51-4108-AA02-DFA0A04FC94B}">
-              <ma14:wrappingTextBoxFlag xmlns="" xmlns:m="http://schemas.openxmlformats.org/officeDocument/2006/math" xmlns:a14="http://schemas.microsoft.com/office/drawing/2010/main" xmlns:ma14="http://schemas.microsoft.com/office/mac/drawingml/2011/main" val="1"/>
+              <ma14:wrappingTextBoxFlag xmlns:ma14="http://schemas.microsoft.com/office/mac/drawingml/2011/main" xmlns:a14="http://schemas.microsoft.com/office/drawing/2010/main" xmlns:m="http://schemas.openxmlformats.org/officeDocument/2006/math" xmlns="" val="1"/>
             </a:ext>
           </a:extLst>
         </p:spPr>
@@ -13595,7 +13713,7 @@
             <a:effectLst/>
             <a:extLst>
               <a:ext uri="{C572A759-6A51-4108-AA02-DFA0A04FC94B}">
-                <ma14:wrappingTextBoxFlag xmlns="" xmlns:m="http://schemas.openxmlformats.org/officeDocument/2006/math" xmlns:a14="http://schemas.microsoft.com/office/drawing/2010/main" xmlns:ma14="http://schemas.microsoft.com/office/mac/drawingml/2011/main" val="1"/>
+                <ma14:wrappingTextBoxFlag xmlns:ma14="http://schemas.microsoft.com/office/mac/drawingml/2011/main" xmlns:a14="http://schemas.microsoft.com/office/drawing/2010/main" xmlns:m="http://schemas.openxmlformats.org/officeDocument/2006/math" xmlns="" val="1"/>
               </a:ext>
             </a:extLst>
           </p:spPr>
@@ -15171,7 +15289,7 @@
           </a:ln>
           <a:extLst>
             <a:ext uri="{C572A759-6A51-4108-AA02-DFA0A04FC94B}">
-              <ma14:wrappingTextBoxFlag xmlns="" xmlns:m="http://schemas.openxmlformats.org/officeDocument/2006/math" xmlns:a14="http://schemas.microsoft.com/office/drawing/2010/main" xmlns:ma14="http://schemas.microsoft.com/office/mac/drawingml/2011/main" val="1"/>
+              <ma14:wrappingTextBoxFlag xmlns:ma14="http://schemas.microsoft.com/office/mac/drawingml/2011/main" xmlns:a14="http://schemas.microsoft.com/office/drawing/2010/main" xmlns:m="http://schemas.openxmlformats.org/officeDocument/2006/math" xmlns="" val="1"/>
             </a:ext>
           </a:extLst>
         </p:spPr>
@@ -15323,7 +15441,7 @@
           </a:ln>
           <a:extLst>
             <a:ext uri="{C572A759-6A51-4108-AA02-DFA0A04FC94B}">
-              <ma14:wrappingTextBoxFlag xmlns="" xmlns:m="http://schemas.openxmlformats.org/officeDocument/2006/math" xmlns:a14="http://schemas.microsoft.com/office/drawing/2010/main" xmlns:ma14="http://schemas.microsoft.com/office/mac/drawingml/2011/main" val="1"/>
+              <ma14:wrappingTextBoxFlag xmlns:ma14="http://schemas.microsoft.com/office/mac/drawingml/2011/main" xmlns:a14="http://schemas.microsoft.com/office/drawing/2010/main" xmlns:m="http://schemas.openxmlformats.org/officeDocument/2006/math" xmlns="" val="1"/>
             </a:ext>
           </a:extLst>
         </p:spPr>
@@ -15523,7 +15641,7 @@
           </a:prstGeom>
           <a:extLst>
             <a:ext uri="{C572A759-6A51-4108-AA02-DFA0A04FC94B}">
-              <ma14:wrappingTextBoxFlag xmlns="" xmlns:m="http://schemas.openxmlformats.org/officeDocument/2006/math" xmlns:a14="http://schemas.microsoft.com/office/drawing/2010/main" xmlns:ma14="http://schemas.microsoft.com/office/mac/drawingml/2011/main" val="1"/>
+              <ma14:wrappingTextBoxFlag xmlns:ma14="http://schemas.microsoft.com/office/mac/drawingml/2011/main" xmlns:a14="http://schemas.microsoft.com/office/drawing/2010/main" xmlns:m="http://schemas.openxmlformats.org/officeDocument/2006/math" xmlns="" val="1"/>
             </a:ext>
           </a:extLst>
         </p:spPr>
@@ -15722,7 +15840,7 @@
             <a:effectLst/>
             <a:extLst>
               <a:ext uri="{C572A759-6A51-4108-AA02-DFA0A04FC94B}">
-                <ma14:wrappingTextBoxFlag xmlns="" xmlns:m="http://schemas.openxmlformats.org/officeDocument/2006/math" xmlns:a14="http://schemas.microsoft.com/office/drawing/2010/main" xmlns:ma14="http://schemas.microsoft.com/office/mac/drawingml/2011/main" val="1"/>
+                <ma14:wrappingTextBoxFlag xmlns:ma14="http://schemas.microsoft.com/office/mac/drawingml/2011/main" xmlns:a14="http://schemas.microsoft.com/office/drawing/2010/main" xmlns:m="http://schemas.openxmlformats.org/officeDocument/2006/math" xmlns="" val="1"/>
               </a:ext>
             </a:extLst>
           </p:spPr>
@@ -16660,7 +16778,7 @@
           </a:ln>
           <a:extLst>
             <a:ext uri="{C572A759-6A51-4108-AA02-DFA0A04FC94B}">
-              <ma14:wrappingTextBoxFlag xmlns="" xmlns:m="http://schemas.openxmlformats.org/officeDocument/2006/math" xmlns:a14="http://schemas.microsoft.com/office/drawing/2010/main" xmlns:ma14="http://schemas.microsoft.com/office/mac/drawingml/2011/main" val="1"/>
+              <ma14:wrappingTextBoxFlag xmlns:ma14="http://schemas.microsoft.com/office/mac/drawingml/2011/main" xmlns:a14="http://schemas.microsoft.com/office/drawing/2010/main" xmlns:m="http://schemas.openxmlformats.org/officeDocument/2006/math" xmlns="" val="1"/>
             </a:ext>
           </a:extLst>
         </p:spPr>
@@ -16775,7 +16893,7 @@
           </a:ln>
           <a:extLst>
             <a:ext uri="{C572A759-6A51-4108-AA02-DFA0A04FC94B}">
-              <ma14:wrappingTextBoxFlag xmlns="" xmlns:m="http://schemas.openxmlformats.org/officeDocument/2006/math" xmlns:a14="http://schemas.microsoft.com/office/drawing/2010/main" xmlns:ma14="http://schemas.microsoft.com/office/mac/drawingml/2011/main" val="1"/>
+              <ma14:wrappingTextBoxFlag xmlns:ma14="http://schemas.microsoft.com/office/mac/drawingml/2011/main" xmlns:a14="http://schemas.microsoft.com/office/drawing/2010/main" xmlns:m="http://schemas.openxmlformats.org/officeDocument/2006/math" xmlns="" val="1"/>
             </a:ext>
           </a:extLst>
         </p:spPr>
@@ -17642,7 +17760,7 @@
           </a:ln>
           <a:extLst>
             <a:ext uri="{C572A759-6A51-4108-AA02-DFA0A04FC94B}">
-              <ma14:wrappingTextBoxFlag xmlns="" xmlns:m="http://schemas.openxmlformats.org/officeDocument/2006/math" xmlns:a14="http://schemas.microsoft.com/office/drawing/2010/main" xmlns:ma14="http://schemas.microsoft.com/office/mac/drawingml/2011/main" val="1"/>
+              <ma14:wrappingTextBoxFlag xmlns:ma14="http://schemas.microsoft.com/office/mac/drawingml/2011/main" xmlns:a14="http://schemas.microsoft.com/office/drawing/2010/main" xmlns:m="http://schemas.openxmlformats.org/officeDocument/2006/math" xmlns="" val="1"/>
             </a:ext>
           </a:extLst>
         </p:spPr>
@@ -17979,7 +18097,7 @@
           </a:prstGeom>
           <a:extLst>
             <a:ext uri="{C572A759-6A51-4108-AA02-DFA0A04FC94B}">
-              <ma14:wrappingTextBoxFlag xmlns="" xmlns:m="http://schemas.openxmlformats.org/officeDocument/2006/math" xmlns:a14="http://schemas.microsoft.com/office/drawing/2010/main" xmlns:ma14="http://schemas.microsoft.com/office/mac/drawingml/2011/main" val="1"/>
+              <ma14:wrappingTextBoxFlag xmlns:ma14="http://schemas.microsoft.com/office/mac/drawingml/2011/main" xmlns:a14="http://schemas.microsoft.com/office/drawing/2010/main" xmlns:m="http://schemas.openxmlformats.org/officeDocument/2006/math" xmlns="" val="1"/>
             </a:ext>
           </a:extLst>
         </p:spPr>
@@ -18273,7 +18391,7 @@
           </a:ln>
           <a:extLst>
             <a:ext uri="{C572A759-6A51-4108-AA02-DFA0A04FC94B}">
-              <ma14:wrappingTextBoxFlag xmlns="" xmlns:m="http://schemas.openxmlformats.org/officeDocument/2006/math" xmlns:a14="http://schemas.microsoft.com/office/drawing/2010/main" xmlns:ma14="http://schemas.microsoft.com/office/mac/drawingml/2011/main" val="1"/>
+              <ma14:wrappingTextBoxFlag xmlns:ma14="http://schemas.microsoft.com/office/mac/drawingml/2011/main" xmlns:a14="http://schemas.microsoft.com/office/drawing/2010/main" xmlns:m="http://schemas.openxmlformats.org/officeDocument/2006/math" xmlns="" val="1"/>
             </a:ext>
           </a:extLst>
         </p:spPr>
@@ -18382,7 +18500,7 @@
           </a:ln>
           <a:extLst>
             <a:ext uri="{C572A759-6A51-4108-AA02-DFA0A04FC94B}">
-              <ma14:wrappingTextBoxFlag xmlns="" xmlns:m="http://schemas.openxmlformats.org/officeDocument/2006/math" xmlns:a14="http://schemas.microsoft.com/office/drawing/2010/main" xmlns:ma14="http://schemas.microsoft.com/office/mac/drawingml/2011/main" val="1"/>
+              <ma14:wrappingTextBoxFlag xmlns:ma14="http://schemas.microsoft.com/office/mac/drawingml/2011/main" xmlns:a14="http://schemas.microsoft.com/office/drawing/2010/main" xmlns:m="http://schemas.openxmlformats.org/officeDocument/2006/math" xmlns="" val="1"/>
             </a:ext>
           </a:extLst>
         </p:spPr>
@@ -18434,7 +18552,7 @@
           </a:ln>
           <a:extLst>
             <a:ext uri="{C572A759-6A51-4108-AA02-DFA0A04FC94B}">
-              <ma14:wrappingTextBoxFlag xmlns="" xmlns:m="http://schemas.openxmlformats.org/officeDocument/2006/math" xmlns:a14="http://schemas.microsoft.com/office/drawing/2010/main" xmlns:ma14="http://schemas.microsoft.com/office/mac/drawingml/2011/main" val="1"/>
+              <ma14:wrappingTextBoxFlag xmlns:ma14="http://schemas.microsoft.com/office/mac/drawingml/2011/main" xmlns:a14="http://schemas.microsoft.com/office/drawing/2010/main" xmlns:m="http://schemas.openxmlformats.org/officeDocument/2006/math" xmlns="" val="1"/>
             </a:ext>
           </a:extLst>
         </p:spPr>
@@ -18552,7 +18670,7 @@
           </a:ln>
           <a:extLst>
             <a:ext uri="{C572A759-6A51-4108-AA02-DFA0A04FC94B}">
-              <ma14:wrappingTextBoxFlag xmlns="" xmlns:m="http://schemas.openxmlformats.org/officeDocument/2006/math" xmlns:a14="http://schemas.microsoft.com/office/drawing/2010/main" xmlns:ma14="http://schemas.microsoft.com/office/mac/drawingml/2011/main" val="1"/>
+              <ma14:wrappingTextBoxFlag xmlns:ma14="http://schemas.microsoft.com/office/mac/drawingml/2011/main" xmlns:a14="http://schemas.microsoft.com/office/drawing/2010/main" xmlns:m="http://schemas.openxmlformats.org/officeDocument/2006/math" xmlns="" val="1"/>
             </a:ext>
           </a:extLst>
         </p:spPr>
@@ -18610,7 +18728,7 @@
           </a:ln>
           <a:extLst>
             <a:ext uri="{C572A759-6A51-4108-AA02-DFA0A04FC94B}">
-              <ma14:wrappingTextBoxFlag xmlns="" xmlns:m="http://schemas.openxmlformats.org/officeDocument/2006/math" xmlns:a14="http://schemas.microsoft.com/office/drawing/2010/main" xmlns:ma14="http://schemas.microsoft.com/office/mac/drawingml/2011/main" val="1"/>
+              <ma14:wrappingTextBoxFlag xmlns:ma14="http://schemas.microsoft.com/office/mac/drawingml/2011/main" xmlns:a14="http://schemas.microsoft.com/office/drawing/2010/main" xmlns:m="http://schemas.openxmlformats.org/officeDocument/2006/math" xmlns="" val="1"/>
             </a:ext>
           </a:extLst>
         </p:spPr>
@@ -18668,7 +18786,7 @@
           </a:ln>
           <a:extLst>
             <a:ext uri="{C572A759-6A51-4108-AA02-DFA0A04FC94B}">
-              <ma14:wrappingTextBoxFlag xmlns="" xmlns:m="http://schemas.openxmlformats.org/officeDocument/2006/math" xmlns:a14="http://schemas.microsoft.com/office/drawing/2010/main" xmlns:ma14="http://schemas.microsoft.com/office/mac/drawingml/2011/main" val="1"/>
+              <ma14:wrappingTextBoxFlag xmlns:ma14="http://schemas.microsoft.com/office/mac/drawingml/2011/main" xmlns:a14="http://schemas.microsoft.com/office/drawing/2010/main" xmlns:m="http://schemas.openxmlformats.org/officeDocument/2006/math" xmlns="" val="1"/>
             </a:ext>
           </a:extLst>
         </p:spPr>
@@ -18756,7 +18874,7 @@
           </a:ln>
           <a:extLst>
             <a:ext uri="{C572A759-6A51-4108-AA02-DFA0A04FC94B}">
-              <ma14:wrappingTextBoxFlag xmlns="" xmlns:m="http://schemas.openxmlformats.org/officeDocument/2006/math" xmlns:a14="http://schemas.microsoft.com/office/drawing/2010/main" xmlns:ma14="http://schemas.microsoft.com/office/mac/drawingml/2011/main" val="1"/>
+              <ma14:wrappingTextBoxFlag xmlns:ma14="http://schemas.microsoft.com/office/mac/drawingml/2011/main" xmlns:a14="http://schemas.microsoft.com/office/drawing/2010/main" xmlns:m="http://schemas.openxmlformats.org/officeDocument/2006/math" xmlns="" val="1"/>
             </a:ext>
           </a:extLst>
         </p:spPr>
